--- a/presentations/project_introduction_jwn.pptx
+++ b/presentations/project_introduction_jwn.pptx
@@ -11,10 +11,19 @@
     <p:sldId id="257" r:id="rId5"/>
     <p:sldId id="265" r:id="rId6"/>
     <p:sldId id="262" r:id="rId7"/>
-    <p:sldId id="259" r:id="rId8"/>
-    <p:sldId id="260" r:id="rId9"/>
-    <p:sldId id="264" r:id="rId10"/>
-    <p:sldId id="258" r:id="rId11"/>
+    <p:sldId id="270" r:id="rId8"/>
+    <p:sldId id="268" r:id="rId9"/>
+    <p:sldId id="259" r:id="rId10"/>
+    <p:sldId id="269" r:id="rId11"/>
+    <p:sldId id="266" r:id="rId12"/>
+    <p:sldId id="260" r:id="rId13"/>
+    <p:sldId id="264" r:id="rId14"/>
+    <p:sldId id="258" r:id="rId15"/>
+    <p:sldId id="271" r:id="rId16"/>
+    <p:sldId id="275" r:id="rId17"/>
+    <p:sldId id="272" r:id="rId18"/>
+    <p:sldId id="274" r:id="rId19"/>
+    <p:sldId id="273" r:id="rId20"/>
   </p:sldIdLst>
   <p:sldSz cx="12192000" cy="6858000"/>
   <p:notesSz cx="6858000" cy="9144000"/>
@@ -113,13 +122,18 @@
       </a:defRPr>
     </a:lvl9pPr>
   </p:defaultTextStyle>
+  <p:extLst>
+    <p:ext uri="{EFAFB233-063F-42B5-8137-9DF3F51BA10A}">
+      <p15:sldGuideLst xmlns:p15="http://schemas.microsoft.com/office/powerpoint/2012/main"/>
+    </p:ext>
+  </p:extLst>
 </p:presentation>
 </file>
 
 <file path=ppt/revisionInfo.xml><?xml version="1.0" encoding="utf-8"?>
 <p1510:revInfo xmlns:a="http://schemas.openxmlformats.org/drawingml/2006/main" xmlns:r="http://schemas.openxmlformats.org/officeDocument/2006/relationships" xmlns:p1510="http://schemas.microsoft.com/office/powerpoint/2015/10/main">
   <p1510:revLst>
-    <p1510:client id="{BF534562-41F1-4E67-963F-6A54DB909C62}" v="4" dt="2025-03-09T21:58:22.074"/>
+    <p1510:client id="{BF534562-41F1-4E67-963F-6A54DB909C62}" v="15" dt="2025-03-10T21:29:13.036"/>
   </p1510:revLst>
 </p1510:revInfo>
 </file>
@@ -128,11 +142,34 @@
 <pc:chgInfo xmlns:a="http://schemas.openxmlformats.org/drawingml/2006/main" xmlns:r="http://schemas.openxmlformats.org/officeDocument/2006/relationships" xmlns:ac="http://schemas.microsoft.com/office/drawing/2013/main/command" xmlns:pc="http://schemas.microsoft.com/office/powerpoint/2013/main/command">
   <pc:docChgLst>
     <pc:chgData name="Jonathan Nelson" userId="cfea3564-1b64-4a61-8b96-02e99d7f2e25" providerId="ADAL" clId="{BF534562-41F1-4E67-963F-6A54DB909C62}"/>
-    <pc:docChg chg="undo custSel addSld modSld sldOrd">
-      <pc:chgData name="Jonathan Nelson" userId="cfea3564-1b64-4a61-8b96-02e99d7f2e25" providerId="ADAL" clId="{BF534562-41F1-4E67-963F-6A54DB909C62}" dt="2025-03-09T21:59:17.921" v="1088" actId="27636"/>
+    <pc:docChg chg="undo custSel addSld delSld modSld sldOrd">
+      <pc:chgData name="Jonathan Nelson" userId="cfea3564-1b64-4a61-8b96-02e99d7f2e25" providerId="ADAL" clId="{BF534562-41F1-4E67-963F-6A54DB909C62}" dt="2025-03-10T22:35:27.304" v="3570" actId="20577"/>
       <pc:docMkLst>
         <pc:docMk/>
       </pc:docMkLst>
+      <pc:sldChg chg="modSp mod">
+        <pc:chgData name="Jonathan Nelson" userId="cfea3564-1b64-4a61-8b96-02e99d7f2e25" providerId="ADAL" clId="{BF534562-41F1-4E67-963F-6A54DB909C62}" dt="2025-03-10T21:01:16.756" v="2019" actId="20577"/>
+        <pc:sldMkLst>
+          <pc:docMk/>
+          <pc:sldMk cId="2211193610" sldId="256"/>
+        </pc:sldMkLst>
+        <pc:spChg chg="mod">
+          <ac:chgData name="Jonathan Nelson" userId="cfea3564-1b64-4a61-8b96-02e99d7f2e25" providerId="ADAL" clId="{BF534562-41F1-4E67-963F-6A54DB909C62}" dt="2025-03-10T21:01:08.055" v="1989" actId="20577"/>
+          <ac:spMkLst>
+            <pc:docMk/>
+            <pc:sldMk cId="2211193610" sldId="256"/>
+            <ac:spMk id="2" creationId="{D7B7A634-C9B4-C83B-F67F-BF328AE9A3A6}"/>
+          </ac:spMkLst>
+        </pc:spChg>
+        <pc:spChg chg="mod">
+          <ac:chgData name="Jonathan Nelson" userId="cfea3564-1b64-4a61-8b96-02e99d7f2e25" providerId="ADAL" clId="{BF534562-41F1-4E67-963F-6A54DB909C62}" dt="2025-03-10T21:01:16.756" v="2019" actId="20577"/>
+          <ac:spMkLst>
+            <pc:docMk/>
+            <pc:sldMk cId="2211193610" sldId="256"/>
+            <ac:spMk id="3" creationId="{84C28A72-BA25-627A-FF96-EBFB9B46E390}"/>
+          </ac:spMkLst>
+        </pc:spChg>
+      </pc:sldChg>
       <pc:sldChg chg="modSp mod">
         <pc:chgData name="Jonathan Nelson" userId="cfea3564-1b64-4a61-8b96-02e99d7f2e25" providerId="ADAL" clId="{BF534562-41F1-4E67-963F-6A54DB909C62}" dt="2025-03-09T21:59:17.921" v="1088" actId="27636"/>
         <pc:sldMkLst>
@@ -149,13 +186,13 @@
         </pc:spChg>
       </pc:sldChg>
       <pc:sldChg chg="modSp mod">
-        <pc:chgData name="Jonathan Nelson" userId="cfea3564-1b64-4a61-8b96-02e99d7f2e25" providerId="ADAL" clId="{BF534562-41F1-4E67-963F-6A54DB909C62}" dt="2025-03-09T21:53:32.184" v="743" actId="1076"/>
+        <pc:chgData name="Jonathan Nelson" userId="cfea3564-1b64-4a61-8b96-02e99d7f2e25" providerId="ADAL" clId="{BF534562-41F1-4E67-963F-6A54DB909C62}" dt="2025-03-10T21:04:35.150" v="2250" actId="20577"/>
         <pc:sldMkLst>
           <pc:docMk/>
           <pc:sldMk cId="3280721329" sldId="258"/>
         </pc:sldMkLst>
         <pc:spChg chg="mod">
-          <ac:chgData name="Jonathan Nelson" userId="cfea3564-1b64-4a61-8b96-02e99d7f2e25" providerId="ADAL" clId="{BF534562-41F1-4E67-963F-6A54DB909C62}" dt="2025-03-09T21:53:32.184" v="743" actId="1076"/>
+          <ac:chgData name="Jonathan Nelson" userId="cfea3564-1b64-4a61-8b96-02e99d7f2e25" providerId="ADAL" clId="{BF534562-41F1-4E67-963F-6A54DB909C62}" dt="2025-03-10T21:04:35.150" v="2250" actId="20577"/>
           <ac:spMkLst>
             <pc:docMk/>
             <pc:sldMk cId="3280721329" sldId="258"/>
@@ -163,8 +200,8 @@
           </ac:spMkLst>
         </pc:spChg>
       </pc:sldChg>
-      <pc:sldChg chg="modSp mod">
-        <pc:chgData name="Jonathan Nelson" userId="cfea3564-1b64-4a61-8b96-02e99d7f2e25" providerId="ADAL" clId="{BF534562-41F1-4E67-963F-6A54DB909C62}" dt="2025-03-09T21:52:38.456" v="712" actId="20577"/>
+      <pc:sldChg chg="modSp mod ord">
+        <pc:chgData name="Jonathan Nelson" userId="cfea3564-1b64-4a61-8b96-02e99d7f2e25" providerId="ADAL" clId="{BF534562-41F1-4E67-963F-6A54DB909C62}" dt="2025-03-10T03:47:30.526" v="1679"/>
         <pc:sldMkLst>
           <pc:docMk/>
           <pc:sldMk cId="1893135142" sldId="259"/>
@@ -178,7 +215,7 @@
           </ac:spMkLst>
         </pc:spChg>
         <pc:spChg chg="mod">
-          <ac:chgData name="Jonathan Nelson" userId="cfea3564-1b64-4a61-8b96-02e99d7f2e25" providerId="ADAL" clId="{BF534562-41F1-4E67-963F-6A54DB909C62}" dt="2025-03-09T21:52:38.456" v="712" actId="20577"/>
+          <ac:chgData name="Jonathan Nelson" userId="cfea3564-1b64-4a61-8b96-02e99d7f2e25" providerId="ADAL" clId="{BF534562-41F1-4E67-963F-6A54DB909C62}" dt="2025-03-09T22:35:13.476" v="1370" actId="313"/>
           <ac:spMkLst>
             <pc:docMk/>
             <pc:sldMk cId="1893135142" sldId="259"/>
@@ -210,7 +247,7 @@
         </pc:spChg>
       </pc:sldChg>
       <pc:sldChg chg="addSp delSp modSp mod">
-        <pc:chgData name="Jonathan Nelson" userId="cfea3564-1b64-4a61-8b96-02e99d7f2e25" providerId="ADAL" clId="{BF534562-41F1-4E67-963F-6A54DB909C62}" dt="2025-03-09T21:58:27.910" v="922" actId="20577"/>
+        <pc:chgData name="Jonathan Nelson" userId="cfea3564-1b64-4a61-8b96-02e99d7f2e25" providerId="ADAL" clId="{BF534562-41F1-4E67-963F-6A54DB909C62}" dt="2025-03-10T21:11:37.870" v="2651" actId="403"/>
         <pc:sldMkLst>
           <pc:docMk/>
           <pc:sldMk cId="2991855355" sldId="261"/>
@@ -240,7 +277,7 @@
           </ac:spMkLst>
         </pc:spChg>
         <pc:spChg chg="add mod">
-          <ac:chgData name="Jonathan Nelson" userId="cfea3564-1b64-4a61-8b96-02e99d7f2e25" providerId="ADAL" clId="{BF534562-41F1-4E67-963F-6A54DB909C62}" dt="2025-03-09T21:58:05.159" v="901" actId="1076"/>
+          <ac:chgData name="Jonathan Nelson" userId="cfea3564-1b64-4a61-8b96-02e99d7f2e25" providerId="ADAL" clId="{BF534562-41F1-4E67-963F-6A54DB909C62}" dt="2025-03-10T21:11:37.870" v="2651" actId="403"/>
           <ac:spMkLst>
             <pc:docMk/>
             <pc:sldMk cId="2991855355" sldId="261"/>
@@ -272,8 +309,23 @@
           </ac:picMkLst>
         </pc:picChg>
       </pc:sldChg>
+      <pc:sldChg chg="addSp modSp mod">
+        <pc:chgData name="Jonathan Nelson" userId="cfea3564-1b64-4a61-8b96-02e99d7f2e25" providerId="ADAL" clId="{BF534562-41F1-4E67-963F-6A54DB909C62}" dt="2025-03-09T22:34:30.921" v="1366" actId="122"/>
+        <pc:sldMkLst>
+          <pc:docMk/>
+          <pc:sldMk cId="3134238077" sldId="262"/>
+        </pc:sldMkLst>
+        <pc:spChg chg="add mod">
+          <ac:chgData name="Jonathan Nelson" userId="cfea3564-1b64-4a61-8b96-02e99d7f2e25" providerId="ADAL" clId="{BF534562-41F1-4E67-963F-6A54DB909C62}" dt="2025-03-09T22:34:30.921" v="1366" actId="122"/>
+          <ac:spMkLst>
+            <pc:docMk/>
+            <pc:sldMk cId="3134238077" sldId="262"/>
+            <ac:spMk id="3" creationId="{669F2206-3347-3A83-8818-0221FD181899}"/>
+          </ac:spMkLst>
+        </pc:spChg>
+      </pc:sldChg>
       <pc:sldChg chg="modSp new mod">
-        <pc:chgData name="Jonathan Nelson" userId="cfea3564-1b64-4a61-8b96-02e99d7f2e25" providerId="ADAL" clId="{BF534562-41F1-4E67-963F-6A54DB909C62}" dt="2025-03-09T21:47:49.096" v="182" actId="1076"/>
+        <pc:chgData name="Jonathan Nelson" userId="cfea3564-1b64-4a61-8b96-02e99d7f2e25" providerId="ADAL" clId="{BF534562-41F1-4E67-963F-6A54DB909C62}" dt="2025-03-10T20:52:44.091" v="1837" actId="20577"/>
         <pc:sldMkLst>
           <pc:docMk/>
           <pc:sldMk cId="859340155" sldId="263"/>
@@ -286,9 +338,17 @@
             <ac:spMk id="2" creationId="{21D441D1-2796-1BED-7A0D-C9A4969F9197}"/>
           </ac:spMkLst>
         </pc:spChg>
+        <pc:spChg chg="mod">
+          <ac:chgData name="Jonathan Nelson" userId="cfea3564-1b64-4a61-8b96-02e99d7f2e25" providerId="ADAL" clId="{BF534562-41F1-4E67-963F-6A54DB909C62}" dt="2025-03-10T20:52:44.091" v="1837" actId="20577"/>
+          <ac:spMkLst>
+            <pc:docMk/>
+            <pc:sldMk cId="859340155" sldId="263"/>
+            <ac:spMk id="3" creationId="{BF9037D3-B60A-F35D-9E5C-ADC2E3F4C34F}"/>
+          </ac:spMkLst>
+        </pc:spChg>
       </pc:sldChg>
       <pc:sldChg chg="modSp new mod">
-        <pc:chgData name="Jonathan Nelson" userId="cfea3564-1b64-4a61-8b96-02e99d7f2e25" providerId="ADAL" clId="{BF534562-41F1-4E67-963F-6A54DB909C62}" dt="2025-03-09T21:49:23.262" v="507" actId="6549"/>
+        <pc:chgData name="Jonathan Nelson" userId="cfea3564-1b64-4a61-8b96-02e99d7f2e25" providerId="ADAL" clId="{BF534562-41F1-4E67-963F-6A54DB909C62}" dt="2025-03-10T22:35:27.304" v="3570" actId="20577"/>
         <pc:sldMkLst>
           <pc:docMk/>
           <pc:sldMk cId="3928642322" sldId="264"/>
@@ -302,7 +362,7 @@
           </ac:spMkLst>
         </pc:spChg>
         <pc:spChg chg="mod">
-          <ac:chgData name="Jonathan Nelson" userId="cfea3564-1b64-4a61-8b96-02e99d7f2e25" providerId="ADAL" clId="{BF534562-41F1-4E67-963F-6A54DB909C62}" dt="2025-03-09T21:49:23.262" v="507" actId="6549"/>
+          <ac:chgData name="Jonathan Nelson" userId="cfea3564-1b64-4a61-8b96-02e99d7f2e25" providerId="ADAL" clId="{BF534562-41F1-4E67-963F-6A54DB909C62}" dt="2025-03-10T22:35:27.304" v="3570" actId="20577"/>
           <ac:spMkLst>
             <pc:docMk/>
             <pc:sldMk cId="3928642322" sldId="264"/>
@@ -311,11 +371,19 @@
         </pc:spChg>
       </pc:sldChg>
       <pc:sldChg chg="addSp delSp modSp new mod ord">
-        <pc:chgData name="Jonathan Nelson" userId="cfea3564-1b64-4a61-8b96-02e99d7f2e25" providerId="ADAL" clId="{BF534562-41F1-4E67-963F-6A54DB909C62}" dt="2025-03-09T21:51:35.616" v="514"/>
+        <pc:chgData name="Jonathan Nelson" userId="cfea3564-1b64-4a61-8b96-02e99d7f2e25" providerId="ADAL" clId="{BF534562-41F1-4E67-963F-6A54DB909C62}" dt="2025-03-09T22:30:55.016" v="1247" actId="20577"/>
         <pc:sldMkLst>
           <pc:docMk/>
           <pc:sldMk cId="3101652086" sldId="265"/>
         </pc:sldMkLst>
+        <pc:spChg chg="mod">
+          <ac:chgData name="Jonathan Nelson" userId="cfea3564-1b64-4a61-8b96-02e99d7f2e25" providerId="ADAL" clId="{BF534562-41F1-4E67-963F-6A54DB909C62}" dt="2025-03-09T22:30:55.016" v="1247" actId="20577"/>
+          <ac:spMkLst>
+            <pc:docMk/>
+            <pc:sldMk cId="3101652086" sldId="265"/>
+            <ac:spMk id="2" creationId="{62A1033F-5030-AB0A-C089-F3AADBAB676E}"/>
+          </ac:spMkLst>
+        </pc:spChg>
         <pc:spChg chg="del">
           <ac:chgData name="Jonathan Nelson" userId="cfea3564-1b64-4a61-8b96-02e99d7f2e25" providerId="ADAL" clId="{BF534562-41F1-4E67-963F-6A54DB909C62}" dt="2025-03-09T21:51:20.558" v="509" actId="478"/>
           <ac:spMkLst>
@@ -330,6 +398,340 @@
             <pc:docMk/>
             <pc:sldMk cId="3101652086" sldId="265"/>
             <ac:picMk id="4" creationId="{5729CE21-1FCD-BEE4-12DD-B0B83BC95A70}"/>
+          </ac:picMkLst>
+        </pc:picChg>
+      </pc:sldChg>
+      <pc:sldChg chg="modSp new mod">
+        <pc:chgData name="Jonathan Nelson" userId="cfea3564-1b64-4a61-8b96-02e99d7f2e25" providerId="ADAL" clId="{BF534562-41F1-4E67-963F-6A54DB909C62}" dt="2025-03-10T21:00:51.107" v="1949" actId="20577"/>
+        <pc:sldMkLst>
+          <pc:docMk/>
+          <pc:sldMk cId="3248597803" sldId="266"/>
+        </pc:sldMkLst>
+        <pc:spChg chg="mod">
+          <ac:chgData name="Jonathan Nelson" userId="cfea3564-1b64-4a61-8b96-02e99d7f2e25" providerId="ADAL" clId="{BF534562-41F1-4E67-963F-6A54DB909C62}" dt="2025-03-10T03:47:42.578" v="1706" actId="20577"/>
+          <ac:spMkLst>
+            <pc:docMk/>
+            <pc:sldMk cId="3248597803" sldId="266"/>
+            <ac:spMk id="2" creationId="{96695233-F8F5-795D-993E-EED32EA9391F}"/>
+          </ac:spMkLst>
+        </pc:spChg>
+        <pc:spChg chg="mod">
+          <ac:chgData name="Jonathan Nelson" userId="cfea3564-1b64-4a61-8b96-02e99d7f2e25" providerId="ADAL" clId="{BF534562-41F1-4E67-963F-6A54DB909C62}" dt="2025-03-10T21:00:51.107" v="1949" actId="20577"/>
+          <ac:spMkLst>
+            <pc:docMk/>
+            <pc:sldMk cId="3248597803" sldId="266"/>
+            <ac:spMk id="3" creationId="{DCD7ED07-1537-5F8E-C438-03A9212FC774}"/>
+          </ac:spMkLst>
+        </pc:spChg>
+      </pc:sldChg>
+      <pc:sldChg chg="modSp new del mod">
+        <pc:chgData name="Jonathan Nelson" userId="cfea3564-1b64-4a61-8b96-02e99d7f2e25" providerId="ADAL" clId="{BF534562-41F1-4E67-963F-6A54DB909C62}" dt="2025-03-10T20:53:05.644" v="1838" actId="47"/>
+        <pc:sldMkLst>
+          <pc:docMk/>
+          <pc:sldMk cId="1525260647" sldId="267"/>
+        </pc:sldMkLst>
+        <pc:spChg chg="mod">
+          <ac:chgData name="Jonathan Nelson" userId="cfea3564-1b64-4a61-8b96-02e99d7f2e25" providerId="ADAL" clId="{BF534562-41F1-4E67-963F-6A54DB909C62}" dt="2025-03-09T22:35:33.272" v="1383" actId="20577"/>
+          <ac:spMkLst>
+            <pc:docMk/>
+            <pc:sldMk cId="1525260647" sldId="267"/>
+            <ac:spMk id="2" creationId="{A524E399-A0B7-4E3F-6497-E1510D4D6118}"/>
+          </ac:spMkLst>
+        </pc:spChg>
+      </pc:sldChg>
+      <pc:sldChg chg="addSp delSp modSp new mod">
+        <pc:chgData name="Jonathan Nelson" userId="cfea3564-1b64-4a61-8b96-02e99d7f2e25" providerId="ADAL" clId="{BF534562-41F1-4E67-963F-6A54DB909C62}" dt="2025-03-09T22:37:25.348" v="1539" actId="1076"/>
+        <pc:sldMkLst>
+          <pc:docMk/>
+          <pc:sldMk cId="2069354896" sldId="268"/>
+        </pc:sldMkLst>
+        <pc:spChg chg="mod">
+          <ac:chgData name="Jonathan Nelson" userId="cfea3564-1b64-4a61-8b96-02e99d7f2e25" providerId="ADAL" clId="{BF534562-41F1-4E67-963F-6A54DB909C62}" dt="2025-03-09T22:35:50.753" v="1395" actId="1076"/>
+          <ac:spMkLst>
+            <pc:docMk/>
+            <pc:sldMk cId="2069354896" sldId="268"/>
+            <ac:spMk id="2" creationId="{953B70ED-8BE6-E982-7E03-1CFD6A0FF812}"/>
+          </ac:spMkLst>
+        </pc:spChg>
+        <pc:spChg chg="del">
+          <ac:chgData name="Jonathan Nelson" userId="cfea3564-1b64-4a61-8b96-02e99d7f2e25" providerId="ADAL" clId="{BF534562-41F1-4E67-963F-6A54DB909C62}" dt="2025-03-09T22:36:16.457" v="1396" actId="478"/>
+          <ac:spMkLst>
+            <pc:docMk/>
+            <pc:sldMk cId="2069354896" sldId="268"/>
+            <ac:spMk id="3" creationId="{3CDFEE6D-9836-B5A5-5D7C-DA5DFF3F8A70}"/>
+          </ac:spMkLst>
+        </pc:spChg>
+        <pc:spChg chg="add mod">
+          <ac:chgData name="Jonathan Nelson" userId="cfea3564-1b64-4a61-8b96-02e99d7f2e25" providerId="ADAL" clId="{BF534562-41F1-4E67-963F-6A54DB909C62}" dt="2025-03-09T22:37:25.348" v="1539" actId="1076"/>
+          <ac:spMkLst>
+            <pc:docMk/>
+            <pc:sldMk cId="2069354896" sldId="268"/>
+            <ac:spMk id="6" creationId="{76124CE4-1A3A-A923-34E1-BF5248B8DCB3}"/>
+          </ac:spMkLst>
+        </pc:spChg>
+        <pc:picChg chg="add mod">
+          <ac:chgData name="Jonathan Nelson" userId="cfea3564-1b64-4a61-8b96-02e99d7f2e25" providerId="ADAL" clId="{BF534562-41F1-4E67-963F-6A54DB909C62}" dt="2025-03-09T22:37:22.545" v="1538" actId="1076"/>
+          <ac:picMkLst>
+            <pc:docMk/>
+            <pc:sldMk cId="2069354896" sldId="268"/>
+            <ac:picMk id="5" creationId="{C481D545-35D7-BBB1-4284-15149FFF6B56}"/>
+          </ac:picMkLst>
+        </pc:picChg>
+      </pc:sldChg>
+      <pc:sldChg chg="addSp delSp modSp new mod ord">
+        <pc:chgData name="Jonathan Nelson" userId="cfea3564-1b64-4a61-8b96-02e99d7f2e25" providerId="ADAL" clId="{BF534562-41F1-4E67-963F-6A54DB909C62}" dt="2025-03-10T21:00:35.764" v="1894" actId="20577"/>
+        <pc:sldMkLst>
+          <pc:docMk/>
+          <pc:sldMk cId="3785970672" sldId="269"/>
+        </pc:sldMkLst>
+        <pc:spChg chg="del">
+          <ac:chgData name="Jonathan Nelson" userId="cfea3564-1b64-4a61-8b96-02e99d7f2e25" providerId="ADAL" clId="{BF534562-41F1-4E67-963F-6A54DB909C62}" dt="2025-03-10T20:58:27.825" v="1871" actId="478"/>
+          <ac:spMkLst>
+            <pc:docMk/>
+            <pc:sldMk cId="3785970672" sldId="269"/>
+            <ac:spMk id="2" creationId="{35BC52D5-4DC3-22E9-670A-2628B6F6E06D}"/>
+          </ac:spMkLst>
+        </pc:spChg>
+        <pc:spChg chg="del">
+          <ac:chgData name="Jonathan Nelson" userId="cfea3564-1b64-4a61-8b96-02e99d7f2e25" providerId="ADAL" clId="{BF534562-41F1-4E67-963F-6A54DB909C62}" dt="2025-03-10T20:56:58.600" v="1843" actId="478"/>
+          <ac:spMkLst>
+            <pc:docMk/>
+            <pc:sldMk cId="3785970672" sldId="269"/>
+            <ac:spMk id="3" creationId="{64F05623-F13B-35A0-55FC-C06A473F27DC}"/>
+          </ac:spMkLst>
+        </pc:spChg>
+        <pc:spChg chg="add mod">
+          <ac:chgData name="Jonathan Nelson" userId="cfea3564-1b64-4a61-8b96-02e99d7f2e25" providerId="ADAL" clId="{BF534562-41F1-4E67-963F-6A54DB909C62}" dt="2025-03-10T20:59:35.252" v="1873" actId="1076"/>
+          <ac:spMkLst>
+            <pc:docMk/>
+            <pc:sldMk cId="3785970672" sldId="269"/>
+            <ac:spMk id="5" creationId="{1C147C2A-91C4-EEF8-AC8D-CB4EA5818437}"/>
+          </ac:spMkLst>
+        </pc:spChg>
+        <pc:spChg chg="add mod">
+          <ac:chgData name="Jonathan Nelson" userId="cfea3564-1b64-4a61-8b96-02e99d7f2e25" providerId="ADAL" clId="{BF534562-41F1-4E67-963F-6A54DB909C62}" dt="2025-03-10T20:59:35.252" v="1873" actId="1076"/>
+          <ac:spMkLst>
+            <pc:docMk/>
+            <pc:sldMk cId="3785970672" sldId="269"/>
+            <ac:spMk id="7" creationId="{932F6EC3-EE87-5914-F4AF-0EAADF6F7391}"/>
+          </ac:spMkLst>
+        </pc:spChg>
+        <pc:spChg chg="add mod">
+          <ac:chgData name="Jonathan Nelson" userId="cfea3564-1b64-4a61-8b96-02e99d7f2e25" providerId="ADAL" clId="{BF534562-41F1-4E67-963F-6A54DB909C62}" dt="2025-03-10T21:00:35.764" v="1894" actId="20577"/>
+          <ac:spMkLst>
+            <pc:docMk/>
+            <pc:sldMk cId="3785970672" sldId="269"/>
+            <ac:spMk id="8" creationId="{C8B0669B-EF93-766B-CF27-D8661C6CE8D7}"/>
+          </ac:spMkLst>
+        </pc:spChg>
+        <pc:picChg chg="add mod">
+          <ac:chgData name="Jonathan Nelson" userId="cfea3564-1b64-4a61-8b96-02e99d7f2e25" providerId="ADAL" clId="{BF534562-41F1-4E67-963F-6A54DB909C62}" dt="2025-03-10T20:59:35.252" v="1873" actId="1076"/>
+          <ac:picMkLst>
+            <pc:docMk/>
+            <pc:sldMk cId="3785970672" sldId="269"/>
+            <ac:picMk id="4" creationId="{EC5E556D-7BA9-9FFE-51FB-195FF93D34BC}"/>
+          </ac:picMkLst>
+        </pc:picChg>
+        <pc:picChg chg="add mod">
+          <ac:chgData name="Jonathan Nelson" userId="cfea3564-1b64-4a61-8b96-02e99d7f2e25" providerId="ADAL" clId="{BF534562-41F1-4E67-963F-6A54DB909C62}" dt="2025-03-10T20:59:35.252" v="1873" actId="1076"/>
+          <ac:picMkLst>
+            <pc:docMk/>
+            <pc:sldMk cId="3785970672" sldId="269"/>
+            <ac:picMk id="6" creationId="{655B3D46-4AD8-DE89-02E8-C67A686E8CA9}"/>
+          </ac:picMkLst>
+        </pc:picChg>
+      </pc:sldChg>
+      <pc:sldChg chg="modSp new mod">
+        <pc:chgData name="Jonathan Nelson" userId="cfea3564-1b64-4a61-8b96-02e99d7f2e25" providerId="ADAL" clId="{BF534562-41F1-4E67-963F-6A54DB909C62}" dt="2025-03-10T21:07:17.880" v="2649" actId="20577"/>
+        <pc:sldMkLst>
+          <pc:docMk/>
+          <pc:sldMk cId="1710119946" sldId="270"/>
+        </pc:sldMkLst>
+        <pc:spChg chg="mod">
+          <ac:chgData name="Jonathan Nelson" userId="cfea3564-1b64-4a61-8b96-02e99d7f2e25" providerId="ADAL" clId="{BF534562-41F1-4E67-963F-6A54DB909C62}" dt="2025-03-10T21:06:38.966" v="2527" actId="20577"/>
+          <ac:spMkLst>
+            <pc:docMk/>
+            <pc:sldMk cId="1710119946" sldId="270"/>
+            <ac:spMk id="2" creationId="{9DDFFF0F-3F41-3BBE-73C0-1A09A1B1074B}"/>
+          </ac:spMkLst>
+        </pc:spChg>
+        <pc:spChg chg="mod">
+          <ac:chgData name="Jonathan Nelson" userId="cfea3564-1b64-4a61-8b96-02e99d7f2e25" providerId="ADAL" clId="{BF534562-41F1-4E67-963F-6A54DB909C62}" dt="2025-03-10T21:07:17.880" v="2649" actId="20577"/>
+          <ac:spMkLst>
+            <pc:docMk/>
+            <pc:sldMk cId="1710119946" sldId="270"/>
+            <ac:spMk id="3" creationId="{D492EFE2-65E4-9399-F5C9-C0D4CFC735FF}"/>
+          </ac:spMkLst>
+        </pc:spChg>
+      </pc:sldChg>
+      <pc:sldChg chg="addSp delSp modSp new mod">
+        <pc:chgData name="Jonathan Nelson" userId="cfea3564-1b64-4a61-8b96-02e99d7f2e25" providerId="ADAL" clId="{BF534562-41F1-4E67-963F-6A54DB909C62}" dt="2025-03-10T21:24:05.187" v="3112" actId="20577"/>
+        <pc:sldMkLst>
+          <pc:docMk/>
+          <pc:sldMk cId="2837102766" sldId="271"/>
+        </pc:sldMkLst>
+        <pc:spChg chg="mod">
+          <ac:chgData name="Jonathan Nelson" userId="cfea3564-1b64-4a61-8b96-02e99d7f2e25" providerId="ADAL" clId="{BF534562-41F1-4E67-963F-6A54DB909C62}" dt="2025-03-10T21:19:34.732" v="2685" actId="20577"/>
+          <ac:spMkLst>
+            <pc:docMk/>
+            <pc:sldMk cId="2837102766" sldId="271"/>
+            <ac:spMk id="2" creationId="{D1F2711F-7836-6C88-36E4-DEA0B71AE1C0}"/>
+          </ac:spMkLst>
+        </pc:spChg>
+        <pc:spChg chg="del">
+          <ac:chgData name="Jonathan Nelson" userId="cfea3564-1b64-4a61-8b96-02e99d7f2e25" providerId="ADAL" clId="{BF534562-41F1-4E67-963F-6A54DB909C62}" dt="2025-03-10T21:19:41.541" v="2689" actId="478"/>
+          <ac:spMkLst>
+            <pc:docMk/>
+            <pc:sldMk cId="2837102766" sldId="271"/>
+            <ac:spMk id="3" creationId="{2FB492D2-7F24-A984-AA1A-C17883A456E2}"/>
+          </ac:spMkLst>
+        </pc:spChg>
+        <pc:spChg chg="add mod">
+          <ac:chgData name="Jonathan Nelson" userId="cfea3564-1b64-4a61-8b96-02e99d7f2e25" providerId="ADAL" clId="{BF534562-41F1-4E67-963F-6A54DB909C62}" dt="2025-03-10T21:24:05.187" v="3112" actId="20577"/>
+          <ac:spMkLst>
+            <pc:docMk/>
+            <pc:sldMk cId="2837102766" sldId="271"/>
+            <ac:spMk id="6" creationId="{5FDF2D4F-2562-9B51-7ACE-A6C0EB4F53AE}"/>
+          </ac:spMkLst>
+        </pc:spChg>
+        <pc:picChg chg="add mod">
+          <ac:chgData name="Jonathan Nelson" userId="cfea3564-1b64-4a61-8b96-02e99d7f2e25" providerId="ADAL" clId="{BF534562-41F1-4E67-963F-6A54DB909C62}" dt="2025-03-10T21:19:40.099" v="2688" actId="1076"/>
+          <ac:picMkLst>
+            <pc:docMk/>
+            <pc:sldMk cId="2837102766" sldId="271"/>
+            <ac:picMk id="5" creationId="{68CA0129-5EA6-00B3-AFC9-C2FD50B8E961}"/>
+          </ac:picMkLst>
+        </pc:picChg>
+      </pc:sldChg>
+      <pc:sldChg chg="addSp modSp new mod">
+        <pc:chgData name="Jonathan Nelson" userId="cfea3564-1b64-4a61-8b96-02e99d7f2e25" providerId="ADAL" clId="{BF534562-41F1-4E67-963F-6A54DB909C62}" dt="2025-03-10T21:20:21.511" v="2806" actId="20577"/>
+        <pc:sldMkLst>
+          <pc:docMk/>
+          <pc:sldMk cId="2003634511" sldId="272"/>
+        </pc:sldMkLst>
+        <pc:spChg chg="mod">
+          <ac:chgData name="Jonathan Nelson" userId="cfea3564-1b64-4a61-8b96-02e99d7f2e25" providerId="ADAL" clId="{BF534562-41F1-4E67-963F-6A54DB909C62}" dt="2025-03-10T21:20:21.511" v="2806" actId="20577"/>
+          <ac:spMkLst>
+            <pc:docMk/>
+            <pc:sldMk cId="2003634511" sldId="272"/>
+            <ac:spMk id="3" creationId="{C42A1910-DC27-BD40-30A6-A5FEFF658FB3}"/>
+          </ac:spMkLst>
+        </pc:spChg>
+        <pc:picChg chg="add mod">
+          <ac:chgData name="Jonathan Nelson" userId="cfea3564-1b64-4a61-8b96-02e99d7f2e25" providerId="ADAL" clId="{BF534562-41F1-4E67-963F-6A54DB909C62}" dt="2025-03-10T21:19:57.718" v="2692" actId="1076"/>
+          <ac:picMkLst>
+            <pc:docMk/>
+            <pc:sldMk cId="2003634511" sldId="272"/>
+            <ac:picMk id="5" creationId="{1F23C841-E11A-1269-8B9A-90E594CC591C}"/>
+          </ac:picMkLst>
+        </pc:picChg>
+      </pc:sldChg>
+      <pc:sldChg chg="delSp modSp add mod">
+        <pc:chgData name="Jonathan Nelson" userId="cfea3564-1b64-4a61-8b96-02e99d7f2e25" providerId="ADAL" clId="{BF534562-41F1-4E67-963F-6A54DB909C62}" dt="2025-03-10T21:21:02.949" v="3011" actId="20577"/>
+        <pc:sldMkLst>
+          <pc:docMk/>
+          <pc:sldMk cId="381611279" sldId="273"/>
+        </pc:sldMkLst>
+        <pc:spChg chg="mod">
+          <ac:chgData name="Jonathan Nelson" userId="cfea3564-1b64-4a61-8b96-02e99d7f2e25" providerId="ADAL" clId="{BF534562-41F1-4E67-963F-6A54DB909C62}" dt="2025-03-10T21:20:36.996" v="2831" actId="20577"/>
+          <ac:spMkLst>
+            <pc:docMk/>
+            <pc:sldMk cId="381611279" sldId="273"/>
+            <ac:spMk id="2" creationId="{C9890EE3-AEB1-6FB6-815E-41F88AEAB4A6}"/>
+          </ac:spMkLst>
+        </pc:spChg>
+        <pc:spChg chg="mod">
+          <ac:chgData name="Jonathan Nelson" userId="cfea3564-1b64-4a61-8b96-02e99d7f2e25" providerId="ADAL" clId="{BF534562-41F1-4E67-963F-6A54DB909C62}" dt="2025-03-10T21:21:02.949" v="3011" actId="20577"/>
+          <ac:spMkLst>
+            <pc:docMk/>
+            <pc:sldMk cId="381611279" sldId="273"/>
+            <ac:spMk id="3" creationId="{0E78ED08-44BC-17F0-8FB1-897656A9A74F}"/>
+          </ac:spMkLst>
+        </pc:spChg>
+        <pc:picChg chg="del">
+          <ac:chgData name="Jonathan Nelson" userId="cfea3564-1b64-4a61-8b96-02e99d7f2e25" providerId="ADAL" clId="{BF534562-41F1-4E67-963F-6A54DB909C62}" dt="2025-03-10T21:20:32.211" v="2808" actId="478"/>
+          <ac:picMkLst>
+            <pc:docMk/>
+            <pc:sldMk cId="381611279" sldId="273"/>
+            <ac:picMk id="5" creationId="{E595605E-CACE-D180-2313-906108D6941A}"/>
+          </ac:picMkLst>
+        </pc:picChg>
+      </pc:sldChg>
+      <pc:sldChg chg="addSp delSp modSp new mod">
+        <pc:chgData name="Jonathan Nelson" userId="cfea3564-1b64-4a61-8b96-02e99d7f2e25" providerId="ADAL" clId="{BF534562-41F1-4E67-963F-6A54DB909C62}" dt="2025-03-10T21:25:35.202" v="3388" actId="404"/>
+        <pc:sldMkLst>
+          <pc:docMk/>
+          <pc:sldMk cId="3680751603" sldId="274"/>
+        </pc:sldMkLst>
+        <pc:spChg chg="del">
+          <ac:chgData name="Jonathan Nelson" userId="cfea3564-1b64-4a61-8b96-02e99d7f2e25" providerId="ADAL" clId="{BF534562-41F1-4E67-963F-6A54DB909C62}" dt="2025-03-10T21:24:22.996" v="3114" actId="478"/>
+          <ac:spMkLst>
+            <pc:docMk/>
+            <pc:sldMk cId="3680751603" sldId="274"/>
+            <ac:spMk id="3" creationId="{AA3585F9-9D64-D35D-215E-035544899152}"/>
+          </ac:spMkLst>
+        </pc:spChg>
+        <pc:spChg chg="add mod">
+          <ac:chgData name="Jonathan Nelson" userId="cfea3564-1b64-4a61-8b96-02e99d7f2e25" providerId="ADAL" clId="{BF534562-41F1-4E67-963F-6A54DB909C62}" dt="2025-03-10T21:25:35.202" v="3388" actId="404"/>
+          <ac:spMkLst>
+            <pc:docMk/>
+            <pc:sldMk cId="3680751603" sldId="274"/>
+            <ac:spMk id="6" creationId="{B79395A7-552B-CB61-457B-973A2A9598EA}"/>
+          </ac:spMkLst>
+        </pc:spChg>
+        <pc:picChg chg="add mod">
+          <ac:chgData name="Jonathan Nelson" userId="cfea3564-1b64-4a61-8b96-02e99d7f2e25" providerId="ADAL" clId="{BF534562-41F1-4E67-963F-6A54DB909C62}" dt="2025-03-10T21:24:27.529" v="3116" actId="1076"/>
+          <ac:picMkLst>
+            <pc:docMk/>
+            <pc:sldMk cId="3680751603" sldId="274"/>
+            <ac:picMk id="5" creationId="{C54B5138-B34C-76EC-19ED-A6E49B52CF8A}"/>
+          </ac:picMkLst>
+        </pc:picChg>
+      </pc:sldChg>
+      <pc:sldChg chg="addSp delSp modSp new mod">
+        <pc:chgData name="Jonathan Nelson" userId="cfea3564-1b64-4a61-8b96-02e99d7f2e25" providerId="ADAL" clId="{BF534562-41F1-4E67-963F-6A54DB909C62}" dt="2025-03-10T21:29:47.137" v="3553" actId="1076"/>
+        <pc:sldMkLst>
+          <pc:docMk/>
+          <pc:sldMk cId="4045828092" sldId="275"/>
+        </pc:sldMkLst>
+        <pc:spChg chg="mod">
+          <ac:chgData name="Jonathan Nelson" userId="cfea3564-1b64-4a61-8b96-02e99d7f2e25" providerId="ADAL" clId="{BF534562-41F1-4E67-963F-6A54DB909C62}" dt="2025-03-10T21:26:44.806" v="3458" actId="20577"/>
+          <ac:spMkLst>
+            <pc:docMk/>
+            <pc:sldMk cId="4045828092" sldId="275"/>
+            <ac:spMk id="2" creationId="{6D0DC3D9-CEB6-A3FD-852C-6C9D13C572F7}"/>
+          </ac:spMkLst>
+        </pc:spChg>
+        <pc:spChg chg="del">
+          <ac:chgData name="Jonathan Nelson" userId="cfea3564-1b64-4a61-8b96-02e99d7f2e25" providerId="ADAL" clId="{BF534562-41F1-4E67-963F-6A54DB909C62}" dt="2025-03-10T21:26:33.307" v="3436" actId="478"/>
+          <ac:spMkLst>
+            <pc:docMk/>
+            <pc:sldMk cId="4045828092" sldId="275"/>
+            <ac:spMk id="3" creationId="{800F3E2B-CAD7-ECAB-8306-41ACDF1E9BD3}"/>
+          </ac:spMkLst>
+        </pc:spChg>
+        <pc:spChg chg="add mod">
+          <ac:chgData name="Jonathan Nelson" userId="cfea3564-1b64-4a61-8b96-02e99d7f2e25" providerId="ADAL" clId="{BF534562-41F1-4E67-963F-6A54DB909C62}" dt="2025-03-10T21:29:47.137" v="3553" actId="1076"/>
+          <ac:spMkLst>
+            <pc:docMk/>
+            <pc:sldMk cId="4045828092" sldId="275"/>
+            <ac:spMk id="8" creationId="{975025B7-61C0-4A7A-8695-E5B3A0E4BDD1}"/>
+          </ac:spMkLst>
+        </pc:spChg>
+        <pc:picChg chg="add mod">
+          <ac:chgData name="Jonathan Nelson" userId="cfea3564-1b64-4a61-8b96-02e99d7f2e25" providerId="ADAL" clId="{BF534562-41F1-4E67-963F-6A54DB909C62}" dt="2025-03-10T21:26:50.457" v="3459" actId="1076"/>
+          <ac:picMkLst>
+            <pc:docMk/>
+            <pc:sldMk cId="4045828092" sldId="275"/>
+            <ac:picMk id="5" creationId="{0CEEBBC7-F347-D5EB-4597-7FB38950D0CD}"/>
+          </ac:picMkLst>
+        </pc:picChg>
+        <pc:picChg chg="add mod">
+          <ac:chgData name="Jonathan Nelson" userId="cfea3564-1b64-4a61-8b96-02e99d7f2e25" providerId="ADAL" clId="{BF534562-41F1-4E67-963F-6A54DB909C62}" dt="2025-03-10T21:27:09.035" v="3464" actId="1076"/>
+          <ac:picMkLst>
+            <pc:docMk/>
+            <pc:sldMk cId="4045828092" sldId="275"/>
+            <ac:picMk id="7" creationId="{1CAD61C4-A533-AAC1-C3E9-99928787F032}"/>
           </ac:picMkLst>
         </pc:picChg>
       </pc:sldChg>
@@ -485,7 +887,7 @@
           <a:p>
             <a:fld id="{2B19CCD3-9A1B-4C97-A6B1-2944FBE72114}" type="datetimeFigureOut">
               <a:rPr lang="en-US" smtClean="0"/>
-              <a:t>3/9/2025</a:t>
+              <a:t>3/10/2025</a:t>
             </a:fld>
             <a:endParaRPr lang="en-US"/>
           </a:p>
@@ -683,7 +1085,7 @@
           <a:p>
             <a:fld id="{2B19CCD3-9A1B-4C97-A6B1-2944FBE72114}" type="datetimeFigureOut">
               <a:rPr lang="en-US" smtClean="0"/>
-              <a:t>3/9/2025</a:t>
+              <a:t>3/10/2025</a:t>
             </a:fld>
             <a:endParaRPr lang="en-US"/>
           </a:p>
@@ -891,7 +1293,7 @@
           <a:p>
             <a:fld id="{2B19CCD3-9A1B-4C97-A6B1-2944FBE72114}" type="datetimeFigureOut">
               <a:rPr lang="en-US" smtClean="0"/>
-              <a:t>3/9/2025</a:t>
+              <a:t>3/10/2025</a:t>
             </a:fld>
             <a:endParaRPr lang="en-US"/>
           </a:p>
@@ -1089,7 +1491,7 @@
           <a:p>
             <a:fld id="{2B19CCD3-9A1B-4C97-A6B1-2944FBE72114}" type="datetimeFigureOut">
               <a:rPr lang="en-US" smtClean="0"/>
-              <a:t>3/9/2025</a:t>
+              <a:t>3/10/2025</a:t>
             </a:fld>
             <a:endParaRPr lang="en-US"/>
           </a:p>
@@ -1364,7 +1766,7 @@
           <a:p>
             <a:fld id="{2B19CCD3-9A1B-4C97-A6B1-2944FBE72114}" type="datetimeFigureOut">
               <a:rPr lang="en-US" smtClean="0"/>
-              <a:t>3/9/2025</a:t>
+              <a:t>3/10/2025</a:t>
             </a:fld>
             <a:endParaRPr lang="en-US"/>
           </a:p>
@@ -1629,7 +2031,7 @@
           <a:p>
             <a:fld id="{2B19CCD3-9A1B-4C97-A6B1-2944FBE72114}" type="datetimeFigureOut">
               <a:rPr lang="en-US" smtClean="0"/>
-              <a:t>3/9/2025</a:t>
+              <a:t>3/10/2025</a:t>
             </a:fld>
             <a:endParaRPr lang="en-US"/>
           </a:p>
@@ -2041,7 +2443,7 @@
           <a:p>
             <a:fld id="{2B19CCD3-9A1B-4C97-A6B1-2944FBE72114}" type="datetimeFigureOut">
               <a:rPr lang="en-US" smtClean="0"/>
-              <a:t>3/9/2025</a:t>
+              <a:t>3/10/2025</a:t>
             </a:fld>
             <a:endParaRPr lang="en-US"/>
           </a:p>
@@ -2182,7 +2584,7 @@
           <a:p>
             <a:fld id="{2B19CCD3-9A1B-4C97-A6B1-2944FBE72114}" type="datetimeFigureOut">
               <a:rPr lang="en-US" smtClean="0"/>
-              <a:t>3/9/2025</a:t>
+              <a:t>3/10/2025</a:t>
             </a:fld>
             <a:endParaRPr lang="en-US"/>
           </a:p>
@@ -2295,7 +2697,7 @@
           <a:p>
             <a:fld id="{2B19CCD3-9A1B-4C97-A6B1-2944FBE72114}" type="datetimeFigureOut">
               <a:rPr lang="en-US" smtClean="0"/>
-              <a:t>3/9/2025</a:t>
+              <a:t>3/10/2025</a:t>
             </a:fld>
             <a:endParaRPr lang="en-US"/>
           </a:p>
@@ -2606,7 +3008,7 @@
           <a:p>
             <a:fld id="{2B19CCD3-9A1B-4C97-A6B1-2944FBE72114}" type="datetimeFigureOut">
               <a:rPr lang="en-US" smtClean="0"/>
-              <a:t>3/9/2025</a:t>
+              <a:t>3/10/2025</a:t>
             </a:fld>
             <a:endParaRPr lang="en-US"/>
           </a:p>
@@ -2894,7 +3296,7 @@
           <a:p>
             <a:fld id="{2B19CCD3-9A1B-4C97-A6B1-2944FBE72114}" type="datetimeFigureOut">
               <a:rPr lang="en-US" smtClean="0"/>
-              <a:t>3/9/2025</a:t>
+              <a:t>3/10/2025</a:t>
             </a:fld>
             <a:endParaRPr lang="en-US"/>
           </a:p>
@@ -3135,7 +3537,7 @@
           <a:p>
             <a:fld id="{2B19CCD3-9A1B-4C97-A6B1-2944FBE72114}" type="datetimeFigureOut">
               <a:rPr lang="en-US" smtClean="0"/>
-              <a:t>3/9/2025</a:t>
+              <a:t>3/10/2025</a:t>
             </a:fld>
             <a:endParaRPr lang="en-US"/>
           </a:p>
@@ -3573,7 +3975,29 @@
           <a:bodyPr/>
           <a:lstStyle/>
           <a:p>
-            <a:endParaRPr lang="en-US" dirty="0"/>
+            <a:r>
+              <a:rPr lang="en-US" dirty="0"/>
+              <a:t>Macula </a:t>
+            </a:r>
+            <a:r>
+              <a:rPr lang="en-US" dirty="0" err="1"/>
+              <a:t>Densa</a:t>
+            </a:r>
+            <a:r>
+              <a:rPr lang="en-US" dirty="0"/>
+              <a:t> </a:t>
+            </a:r>
+            <a:br>
+              <a:rPr lang="en-US" dirty="0"/>
+            </a:br>
+            <a:r>
+              <a:rPr lang="en-US" dirty="0" err="1"/>
+              <a:t>scRNAseq</a:t>
+            </a:r>
+            <a:r>
+              <a:rPr lang="en-US" dirty="0"/>
+              <a:t> Project</a:t>
+            </a:r>
           </a:p>
         </p:txBody>
       </p:sp>
@@ -3598,7 +4022,16 @@
           <a:bodyPr/>
           <a:lstStyle/>
           <a:p>
-            <a:endParaRPr lang="en-US"/>
+            <a:r>
+              <a:rPr lang="en-US" dirty="0"/>
+              <a:t>Jonathan Nelson</a:t>
+            </a:r>
+          </a:p>
+          <a:p>
+            <a:r>
+              <a:rPr lang="en-US" dirty="0"/>
+              <a:t>3.1.88</a:t>
+            </a:r>
           </a:p>
         </p:txBody>
       </p:sp>
@@ -3632,12 +4065,304 @@
           <a:chExt cx="0" cy="0"/>
         </a:xfrm>
       </p:grpSpPr>
+      <p:pic>
+        <p:nvPicPr>
+          <p:cNvPr id="4" name="Picture 3">
+            <a:extLst>
+              <a:ext uri="{FF2B5EF4-FFF2-40B4-BE49-F238E27FC236}">
+                <a16:creationId xmlns:a16="http://schemas.microsoft.com/office/drawing/2014/main" id="{EC5E556D-7BA9-9FFE-51FB-195FF93D34BC}"/>
+              </a:ext>
+            </a:extLst>
+          </p:cNvPr>
+          <p:cNvPicPr>
+            <a:picLocks noChangeAspect="1"/>
+          </p:cNvPicPr>
+          <p:nvPr/>
+        </p:nvPicPr>
+        <p:blipFill>
+          <a:blip r:embed="rId2"/>
+          <a:stretch>
+            <a:fillRect/>
+          </a:stretch>
+        </p:blipFill>
+        <p:spPr>
+          <a:xfrm>
+            <a:off x="647700" y="1990724"/>
+            <a:ext cx="5213985" cy="3724275"/>
+          </a:xfrm>
+          <a:prstGeom prst="rect">
+            <a:avLst/>
+          </a:prstGeom>
+        </p:spPr>
+      </p:pic>
+      <p:sp>
+        <p:nvSpPr>
+          <p:cNvPr id="5" name="TextBox 4">
+            <a:extLst>
+              <a:ext uri="{FF2B5EF4-FFF2-40B4-BE49-F238E27FC236}">
+                <a16:creationId xmlns:a16="http://schemas.microsoft.com/office/drawing/2014/main" id="{1C147C2A-91C4-EEF8-AC8D-CB4EA5818437}"/>
+              </a:ext>
+            </a:extLst>
+          </p:cNvPr>
+          <p:cNvSpPr txBox="1"/>
+          <p:nvPr/>
+        </p:nvSpPr>
+        <p:spPr>
+          <a:xfrm>
+            <a:off x="2588580" y="1407178"/>
+            <a:ext cx="1332224" cy="830997"/>
+          </a:xfrm>
+          <a:prstGeom prst="rect">
+            <a:avLst/>
+          </a:prstGeom>
+          <a:noFill/>
+        </p:spPr>
+        <p:txBody>
+          <a:bodyPr wrap="none" rtlCol="0">
+            <a:spAutoFit/>
+          </a:bodyPr>
+          <a:lstStyle/>
+          <a:p>
+            <a:r>
+              <a:rPr lang="en-US" sz="4800" dirty="0"/>
+              <a:t>Raw</a:t>
+            </a:r>
+          </a:p>
+        </p:txBody>
+      </p:sp>
+      <p:pic>
+        <p:nvPicPr>
+          <p:cNvPr id="6" name="Picture 5">
+            <a:extLst>
+              <a:ext uri="{FF2B5EF4-FFF2-40B4-BE49-F238E27FC236}">
+                <a16:creationId xmlns:a16="http://schemas.microsoft.com/office/drawing/2014/main" id="{655B3D46-4AD8-DE89-02E8-C67A686E8CA9}"/>
+              </a:ext>
+            </a:extLst>
+          </p:cNvPr>
+          <p:cNvPicPr>
+            <a:picLocks noChangeAspect="1"/>
+          </p:cNvPicPr>
+          <p:nvPr/>
+        </p:nvPicPr>
+        <p:blipFill>
+          <a:blip r:embed="rId3"/>
+          <a:stretch>
+            <a:fillRect/>
+          </a:stretch>
+        </p:blipFill>
+        <p:spPr>
+          <a:xfrm>
+            <a:off x="6248400" y="2192789"/>
+            <a:ext cx="4648200" cy="3320143"/>
+          </a:xfrm>
+          <a:prstGeom prst="rect">
+            <a:avLst/>
+          </a:prstGeom>
+        </p:spPr>
+      </p:pic>
+      <p:sp>
+        <p:nvSpPr>
+          <p:cNvPr id="7" name="TextBox 6">
+            <a:extLst>
+              <a:ext uri="{FF2B5EF4-FFF2-40B4-BE49-F238E27FC236}">
+                <a16:creationId xmlns:a16="http://schemas.microsoft.com/office/drawing/2014/main" id="{932F6EC3-EE87-5914-F4AF-0EAADF6F7391}"/>
+              </a:ext>
+            </a:extLst>
+          </p:cNvPr>
+          <p:cNvSpPr txBox="1"/>
+          <p:nvPr/>
+        </p:nvSpPr>
+        <p:spPr>
+          <a:xfrm>
+            <a:off x="8271198" y="1452563"/>
+            <a:ext cx="2190151" cy="830997"/>
+          </a:xfrm>
+          <a:prstGeom prst="rect">
+            <a:avLst/>
+          </a:prstGeom>
+          <a:noFill/>
+        </p:spPr>
+        <p:txBody>
+          <a:bodyPr wrap="none" rtlCol="0">
+            <a:spAutoFit/>
+          </a:bodyPr>
+          <a:lstStyle/>
+          <a:p>
+            <a:r>
+              <a:rPr lang="en-US" sz="4800" dirty="0"/>
+              <a:t>Filtered</a:t>
+            </a:r>
+          </a:p>
+        </p:txBody>
+      </p:sp>
+      <p:sp>
+        <p:nvSpPr>
+          <p:cNvPr id="8" name="Title 1">
+            <a:extLst>
+              <a:ext uri="{FF2B5EF4-FFF2-40B4-BE49-F238E27FC236}">
+                <a16:creationId xmlns:a16="http://schemas.microsoft.com/office/drawing/2014/main" id="{C8B0669B-EF93-766B-CF27-D8661C6CE8D7}"/>
+              </a:ext>
+            </a:extLst>
+          </p:cNvPr>
+          <p:cNvSpPr>
+            <a:spLocks noGrp="1"/>
+          </p:cNvSpPr>
+          <p:nvPr>
+            <p:ph type="title"/>
+          </p:nvPr>
+        </p:nvSpPr>
+        <p:spPr>
+          <a:xfrm>
+            <a:off x="838200" y="19505"/>
+            <a:ext cx="10515600" cy="1325563"/>
+          </a:xfrm>
+        </p:spPr>
+        <p:txBody>
+          <a:bodyPr/>
+          <a:lstStyle/>
+          <a:p>
+            <a:r>
+              <a:rPr lang="en-US" dirty="0"/>
+              <a:t>The Dataset(s)</a:t>
+            </a:r>
+          </a:p>
+        </p:txBody>
+      </p:sp>
+    </p:spTree>
+    <p:extLst>
+      <p:ext uri="{BB962C8B-B14F-4D97-AF65-F5344CB8AC3E}">
+        <p14:creationId xmlns:p14="http://schemas.microsoft.com/office/powerpoint/2010/main" val="3785970672"/>
+      </p:ext>
+    </p:extLst>
+  </p:cSld>
+  <p:clrMapOvr>
+    <a:masterClrMapping/>
+  </p:clrMapOvr>
+</p:sld>
+</file>
+
+<file path=ppt/slides/slide11.xml><?xml version="1.0" encoding="utf-8"?>
+<p:sld xmlns:a="http://schemas.openxmlformats.org/drawingml/2006/main" xmlns:r="http://schemas.openxmlformats.org/officeDocument/2006/relationships" xmlns:p="http://schemas.openxmlformats.org/presentationml/2006/main">
+  <p:cSld>
+    <p:spTree>
+      <p:nvGrpSpPr>
+        <p:cNvPr id="1" name=""/>
+        <p:cNvGrpSpPr/>
+        <p:nvPr/>
+      </p:nvGrpSpPr>
+      <p:grpSpPr>
+        <a:xfrm>
+          <a:off x="0" y="0"/>
+          <a:ext cx="0" cy="0"/>
+          <a:chOff x="0" y="0"/>
+          <a:chExt cx="0" cy="0"/>
+        </a:xfrm>
+      </p:grpSpPr>
       <p:sp>
         <p:nvSpPr>
           <p:cNvPr id="2" name="Title 1">
             <a:extLst>
               <a:ext uri="{FF2B5EF4-FFF2-40B4-BE49-F238E27FC236}">
-                <a16:creationId xmlns:a16="http://schemas.microsoft.com/office/drawing/2014/main" id="{FC340EF7-5113-B4B8-5F23-EBDF9B0C05AF}"/>
+                <a16:creationId xmlns:a16="http://schemas.microsoft.com/office/drawing/2014/main" id="{96695233-F8F5-795D-993E-EED32EA9391F}"/>
+              </a:ext>
+            </a:extLst>
+          </p:cNvPr>
+          <p:cNvSpPr>
+            <a:spLocks noGrp="1"/>
+          </p:cNvSpPr>
+          <p:nvPr>
+            <p:ph type="title"/>
+          </p:nvPr>
+        </p:nvSpPr>
+        <p:spPr/>
+        <p:txBody>
+          <a:bodyPr/>
+          <a:lstStyle/>
+          <a:p>
+            <a:r>
+              <a:rPr lang="en-US" dirty="0"/>
+              <a:t>RNA vs. SCT Assay</a:t>
+            </a:r>
+          </a:p>
+        </p:txBody>
+      </p:sp>
+      <p:sp>
+        <p:nvSpPr>
+          <p:cNvPr id="3" name="Content Placeholder 2">
+            <a:extLst>
+              <a:ext uri="{FF2B5EF4-FFF2-40B4-BE49-F238E27FC236}">
+                <a16:creationId xmlns:a16="http://schemas.microsoft.com/office/drawing/2014/main" id="{DCD7ED07-1537-5F8E-C438-03A9212FC774}"/>
+              </a:ext>
+            </a:extLst>
+          </p:cNvPr>
+          <p:cNvSpPr>
+            <a:spLocks noGrp="1"/>
+          </p:cNvSpPr>
+          <p:nvPr>
+            <p:ph idx="1"/>
+          </p:nvPr>
+        </p:nvSpPr>
+        <p:spPr/>
+        <p:txBody>
+          <a:bodyPr/>
+          <a:lstStyle/>
+          <a:p>
+            <a:r>
+              <a:rPr lang="en-US" dirty="0"/>
+              <a:t>What’s the difference? When to use them?</a:t>
+            </a:r>
+          </a:p>
+          <a:p>
+            <a:r>
+              <a:rPr lang="en-US" dirty="0"/>
+              <a:t>Especially within this dataset. </a:t>
+            </a:r>
+          </a:p>
+          <a:p>
+            <a:pPr lvl="1"/>
+            <a:r>
+              <a:rPr lang="en-US" dirty="0"/>
+              <a:t>SCT is normalized while “RNA” has not yet been.</a:t>
+            </a:r>
+          </a:p>
+        </p:txBody>
+      </p:sp>
+    </p:spTree>
+    <p:extLst>
+      <p:ext uri="{BB962C8B-B14F-4D97-AF65-F5344CB8AC3E}">
+        <p14:creationId xmlns:p14="http://schemas.microsoft.com/office/powerpoint/2010/main" val="3248597803"/>
+      </p:ext>
+    </p:extLst>
+  </p:cSld>
+  <p:clrMapOvr>
+    <a:masterClrMapping/>
+  </p:clrMapOvr>
+</p:sld>
+</file>
+
+<file path=ppt/slides/slide12.xml><?xml version="1.0" encoding="utf-8"?>
+<p:sld xmlns:a="http://schemas.openxmlformats.org/drawingml/2006/main" xmlns:r="http://schemas.openxmlformats.org/officeDocument/2006/relationships" xmlns:p="http://schemas.openxmlformats.org/presentationml/2006/main">
+  <p:cSld>
+    <p:spTree>
+      <p:nvGrpSpPr>
+        <p:cNvPr id="1" name=""/>
+        <p:cNvGrpSpPr/>
+        <p:nvPr/>
+      </p:nvGrpSpPr>
+      <p:grpSpPr>
+        <a:xfrm>
+          <a:off x="0" y="0"/>
+          <a:ext cx="0" cy="0"/>
+          <a:chOff x="0" y="0"/>
+          <a:chExt cx="0" cy="0"/>
+        </a:xfrm>
+      </p:grpSpPr>
+      <p:sp>
+        <p:nvSpPr>
+          <p:cNvPr id="2" name="Title 1">
+            <a:extLst>
+              <a:ext uri="{FF2B5EF4-FFF2-40B4-BE49-F238E27FC236}">
+                <a16:creationId xmlns:a16="http://schemas.microsoft.com/office/drawing/2014/main" id="{D0E6D5DD-C7F4-6474-533C-4EEDC595677B}"/>
               </a:ext>
             </a:extLst>
           </p:cNvPr>
@@ -3660,7 +4385,228 @@
           <a:p>
             <a:r>
               <a:rPr lang="en-US" dirty="0"/>
-              <a:t>Quality Control Steps</a:t>
+              <a:t>What are the questions we want to answer?</a:t>
+            </a:r>
+          </a:p>
+        </p:txBody>
+      </p:sp>
+      <p:sp>
+        <p:nvSpPr>
+          <p:cNvPr id="3" name="Content Placeholder 2">
+            <a:extLst>
+              <a:ext uri="{FF2B5EF4-FFF2-40B4-BE49-F238E27FC236}">
+                <a16:creationId xmlns:a16="http://schemas.microsoft.com/office/drawing/2014/main" id="{C432AE64-AE47-773F-8DEF-88A769650E1C}"/>
+              </a:ext>
+            </a:extLst>
+          </p:cNvPr>
+          <p:cNvSpPr>
+            <a:spLocks noGrp="1"/>
+          </p:cNvSpPr>
+          <p:nvPr>
+            <p:ph idx="1"/>
+          </p:nvPr>
+        </p:nvSpPr>
+        <p:spPr>
+          <a:xfrm>
+            <a:off x="838200" y="1343818"/>
+            <a:ext cx="10515600" cy="4833145"/>
+          </a:xfrm>
+        </p:spPr>
+        <p:txBody>
+          <a:bodyPr/>
+          <a:lstStyle/>
+          <a:p>
+            <a:r>
+              <a:rPr lang="en-US" dirty="0"/>
+              <a:t>Curiosity driven analysis</a:t>
+            </a:r>
+          </a:p>
+        </p:txBody>
+      </p:sp>
+    </p:spTree>
+    <p:extLst>
+      <p:ext uri="{BB962C8B-B14F-4D97-AF65-F5344CB8AC3E}">
+        <p14:creationId xmlns:p14="http://schemas.microsoft.com/office/powerpoint/2010/main" val="3491373005"/>
+      </p:ext>
+    </p:extLst>
+  </p:cSld>
+  <p:clrMapOvr>
+    <a:masterClrMapping/>
+  </p:clrMapOvr>
+</p:sld>
+</file>
+
+<file path=ppt/slides/slide13.xml><?xml version="1.0" encoding="utf-8"?>
+<p:sld xmlns:a="http://schemas.openxmlformats.org/drawingml/2006/main" xmlns:r="http://schemas.openxmlformats.org/officeDocument/2006/relationships" xmlns:p="http://schemas.openxmlformats.org/presentationml/2006/main">
+  <p:cSld>
+    <p:spTree>
+      <p:nvGrpSpPr>
+        <p:cNvPr id="1" name=""/>
+        <p:cNvGrpSpPr/>
+        <p:nvPr/>
+      </p:nvGrpSpPr>
+      <p:grpSpPr>
+        <a:xfrm>
+          <a:off x="0" y="0"/>
+          <a:ext cx="0" cy="0"/>
+          <a:chOff x="0" y="0"/>
+          <a:chExt cx="0" cy="0"/>
+        </a:xfrm>
+      </p:grpSpPr>
+      <p:sp>
+        <p:nvSpPr>
+          <p:cNvPr id="2" name="Title 1">
+            <a:extLst>
+              <a:ext uri="{FF2B5EF4-FFF2-40B4-BE49-F238E27FC236}">
+                <a16:creationId xmlns:a16="http://schemas.microsoft.com/office/drawing/2014/main" id="{62292C77-73D4-6CAD-E217-A3EF3F4154F3}"/>
+              </a:ext>
+            </a:extLst>
+          </p:cNvPr>
+          <p:cNvSpPr>
+            <a:spLocks noGrp="1"/>
+          </p:cNvSpPr>
+          <p:nvPr>
+            <p:ph type="title"/>
+          </p:nvPr>
+        </p:nvSpPr>
+        <p:spPr>
+          <a:xfrm>
+            <a:off x="838200" y="18255"/>
+            <a:ext cx="10515600" cy="1325563"/>
+          </a:xfrm>
+        </p:spPr>
+        <p:txBody>
+          <a:bodyPr/>
+          <a:lstStyle/>
+          <a:p>
+            <a:r>
+              <a:rPr lang="en-US" dirty="0"/>
+              <a:t>Expectations</a:t>
+            </a:r>
+          </a:p>
+        </p:txBody>
+      </p:sp>
+      <p:sp>
+        <p:nvSpPr>
+          <p:cNvPr id="3" name="Content Placeholder 2">
+            <a:extLst>
+              <a:ext uri="{FF2B5EF4-FFF2-40B4-BE49-F238E27FC236}">
+                <a16:creationId xmlns:a16="http://schemas.microsoft.com/office/drawing/2014/main" id="{AC6D67F8-8512-8670-0701-F431CE87E040}"/>
+              </a:ext>
+            </a:extLst>
+          </p:cNvPr>
+          <p:cNvSpPr>
+            <a:spLocks noGrp="1"/>
+          </p:cNvSpPr>
+          <p:nvPr>
+            <p:ph idx="1"/>
+          </p:nvPr>
+        </p:nvSpPr>
+        <p:spPr>
+          <a:xfrm>
+            <a:off x="838200" y="1343818"/>
+            <a:ext cx="10515600" cy="4833145"/>
+          </a:xfrm>
+        </p:spPr>
+        <p:txBody>
+          <a:bodyPr/>
+          <a:lstStyle/>
+          <a:p>
+            <a:r>
+              <a:rPr lang="en-US" dirty="0"/>
+              <a:t>We each are going to analyze this dataset independently</a:t>
+            </a:r>
+          </a:p>
+          <a:p>
+            <a:r>
+              <a:rPr lang="en-US" dirty="0"/>
+              <a:t>Every coding decision needs to be justified. </a:t>
+            </a:r>
+          </a:p>
+          <a:p>
+            <a:r>
+              <a:rPr lang="en-US" dirty="0"/>
+              <a:t>I expect each of us to go through our analysis and share it together for constructive critique.</a:t>
+            </a:r>
+          </a:p>
+          <a:p>
+            <a:r>
+              <a:rPr lang="en-US" dirty="0"/>
+              <a:t>Reproducible code</a:t>
+            </a:r>
+          </a:p>
+          <a:p>
+            <a:r>
+              <a:rPr lang="en-US" dirty="0"/>
+              <a:t>Eventual Presentation to Dr. </a:t>
+            </a:r>
+            <a:r>
+              <a:rPr lang="en-US" dirty="0" err="1"/>
+              <a:t>Peti-peterdi</a:t>
+            </a:r>
+            <a:endParaRPr lang="en-US" dirty="0"/>
+          </a:p>
+        </p:txBody>
+      </p:sp>
+    </p:spTree>
+    <p:extLst>
+      <p:ext uri="{BB962C8B-B14F-4D97-AF65-F5344CB8AC3E}">
+        <p14:creationId xmlns:p14="http://schemas.microsoft.com/office/powerpoint/2010/main" val="3928642322"/>
+      </p:ext>
+    </p:extLst>
+  </p:cSld>
+  <p:clrMapOvr>
+    <a:masterClrMapping/>
+  </p:clrMapOvr>
+</p:sld>
+</file>
+
+<file path=ppt/slides/slide14.xml><?xml version="1.0" encoding="utf-8"?>
+<p:sld xmlns:a="http://schemas.openxmlformats.org/drawingml/2006/main" xmlns:r="http://schemas.openxmlformats.org/officeDocument/2006/relationships" xmlns:p="http://schemas.openxmlformats.org/presentationml/2006/main">
+  <p:cSld>
+    <p:spTree>
+      <p:nvGrpSpPr>
+        <p:cNvPr id="1" name=""/>
+        <p:cNvGrpSpPr/>
+        <p:nvPr/>
+      </p:nvGrpSpPr>
+      <p:grpSpPr>
+        <a:xfrm>
+          <a:off x="0" y="0"/>
+          <a:ext cx="0" cy="0"/>
+          <a:chOff x="0" y="0"/>
+          <a:chExt cx="0" cy="0"/>
+        </a:xfrm>
+      </p:grpSpPr>
+      <p:sp>
+        <p:nvSpPr>
+          <p:cNvPr id="2" name="Title 1">
+            <a:extLst>
+              <a:ext uri="{FF2B5EF4-FFF2-40B4-BE49-F238E27FC236}">
+                <a16:creationId xmlns:a16="http://schemas.microsoft.com/office/drawing/2014/main" id="{FC340EF7-5113-B4B8-5F23-EBDF9B0C05AF}"/>
+              </a:ext>
+            </a:extLst>
+          </p:cNvPr>
+          <p:cNvSpPr>
+            <a:spLocks noGrp="1"/>
+          </p:cNvSpPr>
+          <p:nvPr>
+            <p:ph type="title"/>
+          </p:nvPr>
+        </p:nvSpPr>
+        <p:spPr>
+          <a:xfrm>
+            <a:off x="838200" y="18255"/>
+            <a:ext cx="10515600" cy="1325563"/>
+          </a:xfrm>
+        </p:spPr>
+        <p:txBody>
+          <a:bodyPr/>
+          <a:lstStyle/>
+          <a:p>
+            <a:r>
+              <a:rPr lang="en-US" dirty="0"/>
+              <a:t>Any Questions?</a:t>
             </a:r>
           </a:p>
         </p:txBody>
@@ -3694,6 +4640,636 @@
     <p:extLst>
       <p:ext uri="{BB962C8B-B14F-4D97-AF65-F5344CB8AC3E}">
         <p14:creationId xmlns:p14="http://schemas.microsoft.com/office/powerpoint/2010/main" val="3280721329"/>
+      </p:ext>
+    </p:extLst>
+  </p:cSld>
+  <p:clrMapOvr>
+    <a:masterClrMapping/>
+  </p:clrMapOvr>
+</p:sld>
+</file>
+
+<file path=ppt/slides/slide15.xml><?xml version="1.0" encoding="utf-8"?>
+<p:sld xmlns:a="http://schemas.openxmlformats.org/drawingml/2006/main" xmlns:r="http://schemas.openxmlformats.org/officeDocument/2006/relationships" xmlns:p="http://schemas.openxmlformats.org/presentationml/2006/main">
+  <p:cSld>
+    <p:spTree>
+      <p:nvGrpSpPr>
+        <p:cNvPr id="1" name=""/>
+        <p:cNvGrpSpPr/>
+        <p:nvPr/>
+      </p:nvGrpSpPr>
+      <p:grpSpPr>
+        <a:xfrm>
+          <a:off x="0" y="0"/>
+          <a:ext cx="0" cy="0"/>
+          <a:chOff x="0" y="0"/>
+          <a:chExt cx="0" cy="0"/>
+        </a:xfrm>
+      </p:grpSpPr>
+      <p:sp>
+        <p:nvSpPr>
+          <p:cNvPr id="2" name="Title 1">
+            <a:extLst>
+              <a:ext uri="{FF2B5EF4-FFF2-40B4-BE49-F238E27FC236}">
+                <a16:creationId xmlns:a16="http://schemas.microsoft.com/office/drawing/2014/main" id="{D1F2711F-7836-6C88-36E4-DEA0B71AE1C0}"/>
+              </a:ext>
+            </a:extLst>
+          </p:cNvPr>
+          <p:cNvSpPr>
+            <a:spLocks noGrp="1"/>
+          </p:cNvSpPr>
+          <p:nvPr>
+            <p:ph type="title"/>
+          </p:nvPr>
+        </p:nvSpPr>
+        <p:spPr/>
+        <p:txBody>
+          <a:bodyPr/>
+          <a:lstStyle/>
+          <a:p>
+            <a:r>
+              <a:rPr lang="en-US" dirty="0"/>
+              <a:t>Major update to education website</a:t>
+            </a:r>
+          </a:p>
+        </p:txBody>
+      </p:sp>
+      <p:pic>
+        <p:nvPicPr>
+          <p:cNvPr id="5" name="Picture 4">
+            <a:extLst>
+              <a:ext uri="{FF2B5EF4-FFF2-40B4-BE49-F238E27FC236}">
+                <a16:creationId xmlns:a16="http://schemas.microsoft.com/office/drawing/2014/main" id="{68CA0129-5EA6-00B3-AFC9-C2FD50B8E961}"/>
+              </a:ext>
+            </a:extLst>
+          </p:cNvPr>
+          <p:cNvPicPr>
+            <a:picLocks noChangeAspect="1"/>
+          </p:cNvPicPr>
+          <p:nvPr/>
+        </p:nvPicPr>
+        <p:blipFill>
+          <a:blip r:embed="rId2"/>
+          <a:stretch>
+            <a:fillRect/>
+          </a:stretch>
+        </p:blipFill>
+        <p:spPr>
+          <a:xfrm>
+            <a:off x="838200" y="1690688"/>
+            <a:ext cx="9262872" cy="2628395"/>
+          </a:xfrm>
+          <a:prstGeom prst="rect">
+            <a:avLst/>
+          </a:prstGeom>
+        </p:spPr>
+      </p:pic>
+      <p:sp>
+        <p:nvSpPr>
+          <p:cNvPr id="6" name="Content Placeholder 2">
+            <a:extLst>
+              <a:ext uri="{FF2B5EF4-FFF2-40B4-BE49-F238E27FC236}">
+                <a16:creationId xmlns:a16="http://schemas.microsoft.com/office/drawing/2014/main" id="{5FDF2D4F-2562-9B51-7ACE-A6C0EB4F53AE}"/>
+              </a:ext>
+            </a:extLst>
+          </p:cNvPr>
+          <p:cNvSpPr>
+            <a:spLocks noGrp="1"/>
+          </p:cNvSpPr>
+          <p:nvPr>
+            <p:ph idx="1"/>
+          </p:nvPr>
+        </p:nvSpPr>
+        <p:spPr>
+          <a:xfrm>
+            <a:off x="838200" y="3986783"/>
+            <a:ext cx="10515600" cy="2190179"/>
+          </a:xfrm>
+        </p:spPr>
+        <p:txBody>
+          <a:bodyPr/>
+          <a:lstStyle/>
+          <a:p>
+            <a:r>
+              <a:rPr lang="en-US" dirty="0"/>
+              <a:t>What do you think of new organization? Maybe missing something on just general work in R?</a:t>
+            </a:r>
+          </a:p>
+        </p:txBody>
+      </p:sp>
+    </p:spTree>
+    <p:extLst>
+      <p:ext uri="{BB962C8B-B14F-4D97-AF65-F5344CB8AC3E}">
+        <p14:creationId xmlns:p14="http://schemas.microsoft.com/office/powerpoint/2010/main" val="2837102766"/>
+      </p:ext>
+    </p:extLst>
+  </p:cSld>
+  <p:clrMapOvr>
+    <a:masterClrMapping/>
+  </p:clrMapOvr>
+</p:sld>
+</file>
+
+<file path=ppt/slides/slide16.xml><?xml version="1.0" encoding="utf-8"?>
+<p:sld xmlns:a="http://schemas.openxmlformats.org/drawingml/2006/main" xmlns:r="http://schemas.openxmlformats.org/officeDocument/2006/relationships" xmlns:p="http://schemas.openxmlformats.org/presentationml/2006/main">
+  <p:cSld>
+    <p:spTree>
+      <p:nvGrpSpPr>
+        <p:cNvPr id="1" name=""/>
+        <p:cNvGrpSpPr/>
+        <p:nvPr/>
+      </p:nvGrpSpPr>
+      <p:grpSpPr>
+        <a:xfrm>
+          <a:off x="0" y="0"/>
+          <a:ext cx="0" cy="0"/>
+          <a:chOff x="0" y="0"/>
+          <a:chExt cx="0" cy="0"/>
+        </a:xfrm>
+      </p:grpSpPr>
+      <p:sp>
+        <p:nvSpPr>
+          <p:cNvPr id="2" name="Title 1">
+            <a:extLst>
+              <a:ext uri="{FF2B5EF4-FFF2-40B4-BE49-F238E27FC236}">
+                <a16:creationId xmlns:a16="http://schemas.microsoft.com/office/drawing/2014/main" id="{6D0DC3D9-CEB6-A3FD-852C-6C9D13C572F7}"/>
+              </a:ext>
+            </a:extLst>
+          </p:cNvPr>
+          <p:cNvSpPr>
+            <a:spLocks noGrp="1"/>
+          </p:cNvSpPr>
+          <p:nvPr>
+            <p:ph type="title"/>
+          </p:nvPr>
+        </p:nvSpPr>
+        <p:spPr>
+          <a:xfrm>
+            <a:off x="838200" y="0"/>
+            <a:ext cx="10515600" cy="1325563"/>
+          </a:xfrm>
+        </p:spPr>
+        <p:txBody>
+          <a:bodyPr/>
+          <a:lstStyle/>
+          <a:p>
+            <a:r>
+              <a:rPr lang="en-US" dirty="0"/>
+              <a:t>Folder Getting Complicated</a:t>
+            </a:r>
+          </a:p>
+        </p:txBody>
+      </p:sp>
+      <p:pic>
+        <p:nvPicPr>
+          <p:cNvPr id="5" name="Picture 4">
+            <a:extLst>
+              <a:ext uri="{FF2B5EF4-FFF2-40B4-BE49-F238E27FC236}">
+                <a16:creationId xmlns:a16="http://schemas.microsoft.com/office/drawing/2014/main" id="{0CEEBBC7-F347-D5EB-4597-7FB38950D0CD}"/>
+              </a:ext>
+            </a:extLst>
+          </p:cNvPr>
+          <p:cNvPicPr>
+            <a:picLocks noChangeAspect="1"/>
+          </p:cNvPicPr>
+          <p:nvPr/>
+        </p:nvPicPr>
+        <p:blipFill>
+          <a:blip r:embed="rId2"/>
+          <a:stretch>
+            <a:fillRect/>
+          </a:stretch>
+        </p:blipFill>
+        <p:spPr>
+          <a:xfrm>
+            <a:off x="838200" y="1325563"/>
+            <a:ext cx="1910228" cy="4846320"/>
+          </a:xfrm>
+          <a:prstGeom prst="rect">
+            <a:avLst/>
+          </a:prstGeom>
+        </p:spPr>
+      </p:pic>
+      <p:pic>
+        <p:nvPicPr>
+          <p:cNvPr id="7" name="Picture 6">
+            <a:extLst>
+              <a:ext uri="{FF2B5EF4-FFF2-40B4-BE49-F238E27FC236}">
+                <a16:creationId xmlns:a16="http://schemas.microsoft.com/office/drawing/2014/main" id="{1CAD61C4-A533-AAC1-C3E9-99928787F032}"/>
+              </a:ext>
+            </a:extLst>
+          </p:cNvPr>
+          <p:cNvPicPr>
+            <a:picLocks noChangeAspect="1"/>
+          </p:cNvPicPr>
+          <p:nvPr/>
+        </p:nvPicPr>
+        <p:blipFill>
+          <a:blip r:embed="rId3"/>
+          <a:stretch>
+            <a:fillRect/>
+          </a:stretch>
+        </p:blipFill>
+        <p:spPr>
+          <a:xfrm>
+            <a:off x="3284876" y="1481011"/>
+            <a:ext cx="8068924" cy="1364819"/>
+          </a:xfrm>
+          <a:prstGeom prst="rect">
+            <a:avLst/>
+          </a:prstGeom>
+        </p:spPr>
+      </p:pic>
+      <p:sp>
+        <p:nvSpPr>
+          <p:cNvPr id="8" name="TextBox 7">
+            <a:extLst>
+              <a:ext uri="{FF2B5EF4-FFF2-40B4-BE49-F238E27FC236}">
+                <a16:creationId xmlns:a16="http://schemas.microsoft.com/office/drawing/2014/main" id="{975025B7-61C0-4A7A-8695-E5B3A0E4BDD1}"/>
+              </a:ext>
+            </a:extLst>
+          </p:cNvPr>
+          <p:cNvSpPr txBox="1"/>
+          <p:nvPr/>
+        </p:nvSpPr>
+        <p:spPr>
+          <a:xfrm>
+            <a:off x="3812614" y="3220734"/>
+            <a:ext cx="7013447" cy="1200329"/>
+          </a:xfrm>
+          <a:prstGeom prst="rect">
+            <a:avLst/>
+          </a:prstGeom>
+          <a:noFill/>
+        </p:spPr>
+        <p:txBody>
+          <a:bodyPr wrap="square" rtlCol="0">
+            <a:spAutoFit/>
+          </a:bodyPr>
+          <a:lstStyle/>
+          <a:p>
+            <a:r>
+              <a:rPr lang="en-US" sz="3600" dirty="0"/>
+              <a:t>Unique folders for new pages (so the image folder doesn’t get crazy)</a:t>
+            </a:r>
+          </a:p>
+        </p:txBody>
+      </p:sp>
+    </p:spTree>
+    <p:extLst>
+      <p:ext uri="{BB962C8B-B14F-4D97-AF65-F5344CB8AC3E}">
+        <p14:creationId xmlns:p14="http://schemas.microsoft.com/office/powerpoint/2010/main" val="4045828092"/>
+      </p:ext>
+    </p:extLst>
+  </p:cSld>
+  <p:clrMapOvr>
+    <a:masterClrMapping/>
+  </p:clrMapOvr>
+</p:sld>
+</file>
+
+<file path=ppt/slides/slide17.xml><?xml version="1.0" encoding="utf-8"?>
+<p:sld xmlns:a="http://schemas.openxmlformats.org/drawingml/2006/main" xmlns:r="http://schemas.openxmlformats.org/officeDocument/2006/relationships" xmlns:p="http://schemas.openxmlformats.org/presentationml/2006/main">
+  <p:cSld>
+    <p:spTree>
+      <p:nvGrpSpPr>
+        <p:cNvPr id="1" name=""/>
+        <p:cNvGrpSpPr/>
+        <p:nvPr/>
+      </p:nvGrpSpPr>
+      <p:grpSpPr>
+        <a:xfrm>
+          <a:off x="0" y="0"/>
+          <a:ext cx="0" cy="0"/>
+          <a:chOff x="0" y="0"/>
+          <a:chExt cx="0" cy="0"/>
+        </a:xfrm>
+      </p:grpSpPr>
+      <p:sp>
+        <p:nvSpPr>
+          <p:cNvPr id="2" name="Title 1">
+            <a:extLst>
+              <a:ext uri="{FF2B5EF4-FFF2-40B4-BE49-F238E27FC236}">
+                <a16:creationId xmlns:a16="http://schemas.microsoft.com/office/drawing/2014/main" id="{D9C776C6-CE8A-4429-9BDC-E566C59DDEAE}"/>
+              </a:ext>
+            </a:extLst>
+          </p:cNvPr>
+          <p:cNvSpPr>
+            <a:spLocks noGrp="1"/>
+          </p:cNvSpPr>
+          <p:nvPr>
+            <p:ph type="title"/>
+          </p:nvPr>
+        </p:nvSpPr>
+        <p:spPr/>
+        <p:txBody>
+          <a:bodyPr/>
+          <a:lstStyle/>
+          <a:p>
+            <a:endParaRPr lang="en-US"/>
+          </a:p>
+        </p:txBody>
+      </p:sp>
+      <p:sp>
+        <p:nvSpPr>
+          <p:cNvPr id="3" name="Content Placeholder 2">
+            <a:extLst>
+              <a:ext uri="{FF2B5EF4-FFF2-40B4-BE49-F238E27FC236}">
+                <a16:creationId xmlns:a16="http://schemas.microsoft.com/office/drawing/2014/main" id="{C42A1910-DC27-BD40-30A6-A5FEFF658FB3}"/>
+              </a:ext>
+            </a:extLst>
+          </p:cNvPr>
+          <p:cNvSpPr>
+            <a:spLocks noGrp="1"/>
+          </p:cNvSpPr>
+          <p:nvPr>
+            <p:ph idx="1"/>
+          </p:nvPr>
+        </p:nvSpPr>
+        <p:spPr/>
+        <p:txBody>
+          <a:bodyPr/>
+          <a:lstStyle/>
+          <a:p>
+            <a:r>
+              <a:rPr lang="en-US" dirty="0"/>
+              <a:t>Pic + Bio + Why you like coding/why you like teaching coding</a:t>
+            </a:r>
+          </a:p>
+          <a:p>
+            <a:endParaRPr lang="en-US" dirty="0"/>
+          </a:p>
+          <a:p>
+            <a:r>
+              <a:rPr lang="en-US" dirty="0"/>
+              <a:t>Let’s add authorship to each of the pages.</a:t>
+            </a:r>
+          </a:p>
+        </p:txBody>
+      </p:sp>
+      <p:pic>
+        <p:nvPicPr>
+          <p:cNvPr id="5" name="Picture 4">
+            <a:extLst>
+              <a:ext uri="{FF2B5EF4-FFF2-40B4-BE49-F238E27FC236}">
+                <a16:creationId xmlns:a16="http://schemas.microsoft.com/office/drawing/2014/main" id="{1F23C841-E11A-1269-8B9A-90E594CC591C}"/>
+              </a:ext>
+            </a:extLst>
+          </p:cNvPr>
+          <p:cNvPicPr>
+            <a:picLocks noChangeAspect="1"/>
+          </p:cNvPicPr>
+          <p:nvPr/>
+        </p:nvPicPr>
+        <p:blipFill>
+          <a:blip r:embed="rId2"/>
+          <a:stretch>
+            <a:fillRect/>
+          </a:stretch>
+        </p:blipFill>
+        <p:spPr>
+          <a:xfrm>
+            <a:off x="437567" y="168044"/>
+            <a:ext cx="11079121" cy="1657581"/>
+          </a:xfrm>
+          <a:prstGeom prst="rect">
+            <a:avLst/>
+          </a:prstGeom>
+        </p:spPr>
+      </p:pic>
+    </p:spTree>
+    <p:extLst>
+      <p:ext uri="{BB962C8B-B14F-4D97-AF65-F5344CB8AC3E}">
+        <p14:creationId xmlns:p14="http://schemas.microsoft.com/office/powerpoint/2010/main" val="2003634511"/>
+      </p:ext>
+    </p:extLst>
+  </p:cSld>
+  <p:clrMapOvr>
+    <a:masterClrMapping/>
+  </p:clrMapOvr>
+</p:sld>
+</file>
+
+<file path=ppt/slides/slide18.xml><?xml version="1.0" encoding="utf-8"?>
+<p:sld xmlns:a="http://schemas.openxmlformats.org/drawingml/2006/main" xmlns:r="http://schemas.openxmlformats.org/officeDocument/2006/relationships" xmlns:p="http://schemas.openxmlformats.org/presentationml/2006/main">
+  <p:cSld>
+    <p:spTree>
+      <p:nvGrpSpPr>
+        <p:cNvPr id="1" name=""/>
+        <p:cNvGrpSpPr/>
+        <p:nvPr/>
+      </p:nvGrpSpPr>
+      <p:grpSpPr>
+        <a:xfrm>
+          <a:off x="0" y="0"/>
+          <a:ext cx="0" cy="0"/>
+          <a:chOff x="0" y="0"/>
+          <a:chExt cx="0" cy="0"/>
+        </a:xfrm>
+      </p:grpSpPr>
+      <p:sp>
+        <p:nvSpPr>
+          <p:cNvPr id="2" name="Title 1">
+            <a:extLst>
+              <a:ext uri="{FF2B5EF4-FFF2-40B4-BE49-F238E27FC236}">
+                <a16:creationId xmlns:a16="http://schemas.microsoft.com/office/drawing/2014/main" id="{22BE45D9-4151-252C-C031-4FA1BA88655D}"/>
+              </a:ext>
+            </a:extLst>
+          </p:cNvPr>
+          <p:cNvSpPr>
+            <a:spLocks noGrp="1"/>
+          </p:cNvSpPr>
+          <p:nvPr>
+            <p:ph type="title"/>
+          </p:nvPr>
+        </p:nvSpPr>
+        <p:spPr/>
+        <p:txBody>
+          <a:bodyPr/>
+          <a:lstStyle/>
+          <a:p>
+            <a:endParaRPr lang="en-US"/>
+          </a:p>
+        </p:txBody>
+      </p:sp>
+      <p:pic>
+        <p:nvPicPr>
+          <p:cNvPr id="5" name="Picture 4">
+            <a:extLst>
+              <a:ext uri="{FF2B5EF4-FFF2-40B4-BE49-F238E27FC236}">
+                <a16:creationId xmlns:a16="http://schemas.microsoft.com/office/drawing/2014/main" id="{C54B5138-B34C-76EC-19ED-A6E49B52CF8A}"/>
+              </a:ext>
+            </a:extLst>
+          </p:cNvPr>
+          <p:cNvPicPr>
+            <a:picLocks noChangeAspect="1"/>
+          </p:cNvPicPr>
+          <p:nvPr/>
+        </p:nvPicPr>
+        <p:blipFill>
+          <a:blip r:embed="rId2"/>
+          <a:stretch>
+            <a:fillRect/>
+          </a:stretch>
+        </p:blipFill>
+        <p:spPr>
+          <a:xfrm>
+            <a:off x="408781" y="366528"/>
+            <a:ext cx="11374437" cy="2648320"/>
+          </a:xfrm>
+          <a:prstGeom prst="rect">
+            <a:avLst/>
+          </a:prstGeom>
+        </p:spPr>
+      </p:pic>
+      <p:sp>
+        <p:nvSpPr>
+          <p:cNvPr id="6" name="TextBox 5">
+            <a:extLst>
+              <a:ext uri="{FF2B5EF4-FFF2-40B4-BE49-F238E27FC236}">
+                <a16:creationId xmlns:a16="http://schemas.microsoft.com/office/drawing/2014/main" id="{B79395A7-552B-CB61-457B-973A2A9598EA}"/>
+              </a:ext>
+            </a:extLst>
+          </p:cNvPr>
+          <p:cNvSpPr txBox="1"/>
+          <p:nvPr/>
+        </p:nvSpPr>
+        <p:spPr>
+          <a:xfrm>
+            <a:off x="408782" y="2553183"/>
+            <a:ext cx="11560714" cy="2246769"/>
+          </a:xfrm>
+          <a:prstGeom prst="rect">
+            <a:avLst/>
+          </a:prstGeom>
+          <a:noFill/>
+        </p:spPr>
+        <p:txBody>
+          <a:bodyPr wrap="square" rtlCol="0">
+            <a:spAutoFit/>
+          </a:bodyPr>
+          <a:lstStyle/>
+          <a:p>
+            <a:r>
+              <a:rPr lang="en-US" sz="2800" dirty="0"/>
+              <a:t>Can one of your organize and update the Coding Crumbs/Recreate figures section from each SCORE as we have it?</a:t>
+            </a:r>
+          </a:p>
+          <a:p>
+            <a:endParaRPr lang="en-US" sz="2800" dirty="0"/>
+          </a:p>
+          <a:p>
+            <a:r>
+              <a:rPr lang="en-US" sz="2800" dirty="0"/>
+              <a:t>Semi complicated because they often require .</a:t>
+            </a:r>
+            <a:r>
+              <a:rPr lang="en-US" sz="2800" dirty="0" err="1"/>
+              <a:t>rds</a:t>
+            </a:r>
+            <a:r>
+              <a:rPr lang="en-US" sz="2800" dirty="0"/>
+              <a:t> files to run and to keep track of which images are being used for the sections.</a:t>
+            </a:r>
+          </a:p>
+        </p:txBody>
+      </p:sp>
+    </p:spTree>
+    <p:extLst>
+      <p:ext uri="{BB962C8B-B14F-4D97-AF65-F5344CB8AC3E}">
+        <p14:creationId xmlns:p14="http://schemas.microsoft.com/office/powerpoint/2010/main" val="3680751603"/>
+      </p:ext>
+    </p:extLst>
+  </p:cSld>
+  <p:clrMapOvr>
+    <a:masterClrMapping/>
+  </p:clrMapOvr>
+</p:sld>
+</file>
+
+<file path=ppt/slides/slide19.xml><?xml version="1.0" encoding="utf-8"?>
+<p:sld xmlns:a="http://schemas.openxmlformats.org/drawingml/2006/main" xmlns:r="http://schemas.openxmlformats.org/officeDocument/2006/relationships" xmlns:p="http://schemas.openxmlformats.org/presentationml/2006/main">
+  <p:cSld>
+    <p:spTree>
+      <p:nvGrpSpPr>
+        <p:cNvPr id="1" name="">
+          <a:extLst>
+            <a:ext uri="{FF2B5EF4-FFF2-40B4-BE49-F238E27FC236}">
+              <a16:creationId xmlns:a16="http://schemas.microsoft.com/office/drawing/2014/main" id="{A7655F87-439B-248E-64B0-35962E0C02AB}"/>
+            </a:ext>
+          </a:extLst>
+        </p:cNvPr>
+        <p:cNvGrpSpPr/>
+        <p:nvPr/>
+      </p:nvGrpSpPr>
+      <p:grpSpPr>
+        <a:xfrm>
+          <a:off x="0" y="0"/>
+          <a:ext cx="0" cy="0"/>
+          <a:chOff x="0" y="0"/>
+          <a:chExt cx="0" cy="0"/>
+        </a:xfrm>
+      </p:grpSpPr>
+      <p:sp>
+        <p:nvSpPr>
+          <p:cNvPr id="2" name="Title 1">
+            <a:extLst>
+              <a:ext uri="{FF2B5EF4-FFF2-40B4-BE49-F238E27FC236}">
+                <a16:creationId xmlns:a16="http://schemas.microsoft.com/office/drawing/2014/main" id="{C9890EE3-AEB1-6FB6-815E-41F88AEAB4A6}"/>
+              </a:ext>
+            </a:extLst>
+          </p:cNvPr>
+          <p:cNvSpPr>
+            <a:spLocks noGrp="1"/>
+          </p:cNvSpPr>
+          <p:nvPr>
+            <p:ph type="title"/>
+          </p:nvPr>
+        </p:nvSpPr>
+        <p:spPr/>
+        <p:txBody>
+          <a:bodyPr/>
+          <a:lstStyle/>
+          <a:p>
+            <a:r>
+              <a:rPr lang="en-US" dirty="0"/>
+              <a:t>Let’s talk branching</a:t>
+            </a:r>
+          </a:p>
+        </p:txBody>
+      </p:sp>
+      <p:sp>
+        <p:nvSpPr>
+          <p:cNvPr id="3" name="Content Placeholder 2">
+            <a:extLst>
+              <a:ext uri="{FF2B5EF4-FFF2-40B4-BE49-F238E27FC236}">
+                <a16:creationId xmlns:a16="http://schemas.microsoft.com/office/drawing/2014/main" id="{0E78ED08-44BC-17F0-8FB1-897656A9A74F}"/>
+              </a:ext>
+            </a:extLst>
+          </p:cNvPr>
+          <p:cNvSpPr>
+            <a:spLocks noGrp="1"/>
+          </p:cNvSpPr>
+          <p:nvPr>
+            <p:ph idx="1"/>
+          </p:nvPr>
+        </p:nvSpPr>
+        <p:spPr/>
+        <p:txBody>
+          <a:bodyPr/>
+          <a:lstStyle/>
+          <a:p>
+            <a:r>
+              <a:rPr lang="en-US" dirty="0"/>
+              <a:t>Branching is a form of version control. If you are going to make a change, make a new branch and we’ll merge the branches every 2 weeks as we make updates.</a:t>
+            </a:r>
+          </a:p>
+        </p:txBody>
+      </p:sp>
+    </p:spTree>
+    <p:extLst>
+      <p:ext uri="{BB962C8B-B14F-4D97-AF65-F5344CB8AC3E}">
+        <p14:creationId xmlns:p14="http://schemas.microsoft.com/office/powerpoint/2010/main" val="381611279"/>
       </p:ext>
     </p:extLst>
   </p:cSld>
@@ -3800,7 +5376,7 @@
         <p:spPr>
           <a:xfrm>
             <a:off x="5843016" y="1187070"/>
-            <a:ext cx="6126480" cy="923330"/>
+            <a:ext cx="6126480" cy="1200329"/>
           </a:xfrm>
           <a:prstGeom prst="rect">
             <a:avLst/>
@@ -3814,15 +5390,15 @@
           <a:lstStyle/>
           <a:p>
             <a:r>
-              <a:rPr lang="en-US" dirty="0"/>
+              <a:rPr lang="en-US" sz="2400" dirty="0"/>
               <a:t>The macula </a:t>
             </a:r>
             <a:r>
-              <a:rPr lang="en-US" dirty="0" err="1"/>
+              <a:rPr lang="en-US" sz="2400" dirty="0" err="1"/>
               <a:t>densa</a:t>
             </a:r>
             <a:r>
-              <a:rPr lang="en-US" dirty="0"/>
+              <a:rPr lang="en-US" sz="2400" dirty="0"/>
               <a:t> is a specialized region of the kidney that plays a crucial role in regulating blood pressure and fluid balance. </a:t>
             </a:r>
           </a:p>
@@ -3996,12 +5572,69 @@
             <p:ph idx="1"/>
           </p:nvPr>
         </p:nvSpPr>
-        <p:spPr/>
-        <p:txBody>
-          <a:bodyPr/>
-          <a:lstStyle/>
-          <a:p>
-            <a:endParaRPr lang="en-US"/>
+        <p:spPr>
+          <a:xfrm>
+            <a:off x="838200" y="1343818"/>
+            <a:ext cx="10515600" cy="4833145"/>
+          </a:xfrm>
+        </p:spPr>
+        <p:txBody>
+          <a:bodyPr/>
+          <a:lstStyle/>
+          <a:p>
+            <a:r>
+              <a:rPr lang="en-US" dirty="0"/>
+              <a:t>Completely unknown dataset</a:t>
+            </a:r>
+          </a:p>
+          <a:p>
+            <a:pPr lvl="1"/>
+            <a:r>
+              <a:rPr lang="en-US" dirty="0"/>
+              <a:t>We’ll discovery something new!</a:t>
+            </a:r>
+          </a:p>
+          <a:p>
+            <a:r>
+              <a:rPr lang="en-US" dirty="0"/>
+              <a:t>Something to add to your CV/</a:t>
+            </a:r>
+            <a:r>
+              <a:rPr lang="en-US" dirty="0" err="1"/>
+              <a:t>Biosketch</a:t>
+            </a:r>
+            <a:endParaRPr lang="en-US" dirty="0"/>
+          </a:p>
+          <a:p>
+            <a:pPr lvl="1"/>
+            <a:r>
+              <a:rPr lang="en-US" dirty="0"/>
+              <a:t>Jeff…we need to start on your </a:t>
+            </a:r>
+            <a:r>
+              <a:rPr lang="en-US" dirty="0" err="1"/>
+              <a:t>biosketch</a:t>
+            </a:r>
+            <a:endParaRPr lang="en-US" dirty="0"/>
+          </a:p>
+          <a:p>
+            <a:r>
+              <a:rPr lang="en-US" dirty="0"/>
+              <a:t>Poster to present at a research conference?</a:t>
+            </a:r>
+          </a:p>
+          <a:p>
+            <a:pPr lvl="1"/>
+            <a:r>
+              <a:rPr lang="en-US" dirty="0"/>
+              <a:t>Locally? Nationally?</a:t>
+            </a:r>
+          </a:p>
+          <a:p>
+            <a:r>
+              <a:rPr lang="en-US" dirty="0"/>
+              <a:t>Co-authors on a manuscript with Janos and Gina</a:t>
+            </a:r>
           </a:p>
         </p:txBody>
       </p:sp>
@@ -4247,12 +5880,24 @@
             <p:ph type="title"/>
           </p:nvPr>
         </p:nvSpPr>
-        <p:spPr/>
-        <p:txBody>
-          <a:bodyPr/>
-          <a:lstStyle/>
-          <a:p>
-            <a:endParaRPr lang="en-US"/>
+        <p:spPr>
+          <a:xfrm>
+            <a:off x="838199" y="0"/>
+            <a:ext cx="10515600" cy="1325563"/>
+          </a:xfrm>
+        </p:spPr>
+        <p:txBody>
+          <a:bodyPr/>
+          <a:lstStyle/>
+          <a:p>
+            <a:r>
+              <a:rPr lang="en-US" dirty="0" err="1"/>
+              <a:t>scRNaseq</a:t>
+            </a:r>
+            <a:r>
+              <a:rPr lang="en-US" dirty="0"/>
+              <a:t> Figure from the Manuscript</a:t>
+            </a:r>
           </a:p>
         </p:txBody>
       </p:sp>
@@ -4379,6 +6024,57 @@
           </a:prstGeom>
         </p:spPr>
       </p:pic>
+      <p:sp>
+        <p:nvSpPr>
+          <p:cNvPr id="3" name="TextBox 2">
+            <a:extLst>
+              <a:ext uri="{FF2B5EF4-FFF2-40B4-BE49-F238E27FC236}">
+                <a16:creationId xmlns:a16="http://schemas.microsoft.com/office/drawing/2014/main" id="{669F2206-3347-3A83-8818-0221FD181899}"/>
+              </a:ext>
+            </a:extLst>
+          </p:cNvPr>
+          <p:cNvSpPr txBox="1"/>
+          <p:nvPr/>
+        </p:nvSpPr>
+        <p:spPr>
+          <a:xfrm>
+            <a:off x="0" y="5806441"/>
+            <a:ext cx="12192000" cy="830997"/>
+          </a:xfrm>
+          <a:prstGeom prst="rect">
+            <a:avLst/>
+          </a:prstGeom>
+          <a:noFill/>
+        </p:spPr>
+        <p:txBody>
+          <a:bodyPr wrap="square" rtlCol="0">
+            <a:spAutoFit/>
+          </a:bodyPr>
+          <a:lstStyle/>
+          <a:p>
+            <a:pPr algn="ctr"/>
+            <a:r>
+              <a:rPr lang="en-US" sz="2400" dirty="0"/>
+              <a:t>Here() will default to where the .git folder is (not where you open the .</a:t>
+            </a:r>
+            <a:r>
+              <a:rPr lang="en-US" sz="2400" dirty="0" err="1"/>
+              <a:t>rmd</a:t>
+            </a:r>
+            <a:r>
+              <a:rPr lang="en-US" sz="2400" dirty="0"/>
+              <a:t> file from!</a:t>
+            </a:r>
+          </a:p>
+          <a:p>
+            <a:pPr algn="ctr"/>
+            <a:r>
+              <a:rPr lang="en-US" sz="2400" dirty="0"/>
+              <a:t>See: https://github.com/jennybc/here_here</a:t>
+            </a:r>
+          </a:p>
+        </p:txBody>
+      </p:sp>
     </p:spTree>
     <p:extLst>
       <p:ext uri="{BB962C8B-B14F-4D97-AF65-F5344CB8AC3E}">
@@ -4414,7 +6110,7 @@
           <p:cNvPr id="2" name="Title 1">
             <a:extLst>
               <a:ext uri="{FF2B5EF4-FFF2-40B4-BE49-F238E27FC236}">
-                <a16:creationId xmlns:a16="http://schemas.microsoft.com/office/drawing/2014/main" id="{3D007E6F-D6BB-49DC-CB56-B93773D452A2}"/>
+                <a16:creationId xmlns:a16="http://schemas.microsoft.com/office/drawing/2014/main" id="{9DDFFF0F-3F41-3BBE-73C0-1A09A1B1074B}"/>
               </a:ext>
             </a:extLst>
           </p:cNvPr>
@@ -4425,19 +6121,18 @@
             <p:ph type="title"/>
           </p:nvPr>
         </p:nvSpPr>
-        <p:spPr>
-          <a:xfrm>
-            <a:off x="838200" y="18255"/>
-            <a:ext cx="10515600" cy="1325563"/>
-          </a:xfrm>
-        </p:spPr>
-        <p:txBody>
-          <a:bodyPr/>
-          <a:lstStyle/>
-          <a:p>
-            <a:r>
-              <a:rPr lang="en-US" dirty="0"/>
-              <a:t>Two versions of the dataset</a:t>
+        <p:spPr/>
+        <p:txBody>
+          <a:bodyPr/>
+          <a:lstStyle/>
+          <a:p>
+            <a:r>
+              <a:rPr lang="en-US" dirty="0" err="1"/>
+              <a:t>Github</a:t>
+            </a:r>
+            <a:r>
+              <a:rPr lang="en-US" dirty="0"/>
+              <a:t> Desktop Usage</a:t>
             </a:r>
           </a:p>
         </p:txBody>
@@ -4447,7 +6142,7 @@
           <p:cNvPr id="3" name="Content Placeholder 2">
             <a:extLst>
               <a:ext uri="{FF2B5EF4-FFF2-40B4-BE49-F238E27FC236}">
-                <a16:creationId xmlns:a16="http://schemas.microsoft.com/office/drawing/2014/main" id="{80141D55-D884-D086-B3F8-826E4A7CF240}"/>
+                <a16:creationId xmlns:a16="http://schemas.microsoft.com/office/drawing/2014/main" id="{D492EFE2-65E4-9399-F5C9-C0D4CFC735FF}"/>
               </a:ext>
             </a:extLst>
           </p:cNvPr>
@@ -4458,69 +6153,48 @@
             <p:ph idx="1"/>
           </p:nvPr>
         </p:nvSpPr>
-        <p:spPr>
-          <a:xfrm>
-            <a:off x="838200" y="1343818"/>
-            <a:ext cx="10515600" cy="4833145"/>
-          </a:xfrm>
-        </p:spPr>
-        <p:txBody>
-          <a:bodyPr/>
-          <a:lstStyle/>
-          <a:p>
-            <a:r>
-              <a:rPr lang="en-US" dirty="0"/>
-              <a:t>First-processed</a:t>
-            </a:r>
-          </a:p>
-          <a:p>
-            <a:pPr lvl="1"/>
-            <a:r>
-              <a:rPr lang="en-US" b="0" i="0" dirty="0">
-                <a:solidFill>
-                  <a:srgbClr val="333333"/>
-                </a:solidFill>
-                <a:effectLst/>
-                <a:latin typeface="Helvetica Neue"/>
-              </a:rPr>
-              <a:t>Filter counts ==&gt; Viable cells 2nd cut off ==&gt; Filter features ==&gt;gene type is protein coding ==&gt;Normalized counts ==&gt; Filter observations ==&gt; Nos1 and Pappa2 &gt;5</a:t>
-            </a:r>
+        <p:spPr/>
+        <p:txBody>
+          <a:bodyPr/>
+          <a:lstStyle/>
+          <a:p>
+            <a:r>
+              <a:rPr lang="en-US" dirty="0"/>
+              <a:t>You can push and pull code from your folder, please don’t change code in another person folder. </a:t>
+            </a:r>
+          </a:p>
+          <a:p>
             <a:endParaRPr lang="en-US" dirty="0"/>
           </a:p>
           <a:p>
             <a:r>
               <a:rPr lang="en-US" dirty="0"/>
-              <a:t>Second Raw</a:t>
-            </a:r>
-          </a:p>
-          <a:p>
-            <a:pPr lvl="1"/>
-            <a:r>
-              <a:rPr lang="en-US" dirty="0"/>
-              <a:t>I think just at the first Filter Counts</a:t>
-            </a:r>
-          </a:p>
-          <a:p>
-            <a:r>
-              <a:rPr lang="en-US" dirty="0"/>
-              <a:t>If I’m working with a dataset…I usually want to start out with the raw version to make my own filtering decisions.</a:t>
-            </a:r>
-          </a:p>
-          <a:p>
-            <a:r>
-              <a:rPr lang="en-US" dirty="0"/>
-              <a:t>I want to question and explore the decisions made/implications with the initial analysis.</a:t>
-            </a:r>
-          </a:p>
-          <a:p>
-            <a:pPr lvl="1"/>
+              <a:t>Grab the .h5 and .</a:t>
+            </a:r>
             <a:r>
               <a:rPr lang="en-US" dirty="0" err="1"/>
-              <a:t>Meta.data</a:t>
-            </a:r>
-            <a:r>
-              <a:rPr lang="en-US" dirty="0"/>
-              <a:t> wrangling!</a:t>
+              <a:t>rds</a:t>
+            </a:r>
+            <a:r>
+              <a:rPr lang="en-US" dirty="0"/>
+              <a:t> files from me to place into appropriate folder after you’d cloned the repository. </a:t>
+            </a:r>
+          </a:p>
+          <a:p>
+            <a:endParaRPr lang="en-US" dirty="0"/>
+          </a:p>
+          <a:p>
+            <a:r>
+              <a:rPr lang="en-US" dirty="0"/>
+              <a:t>If you knit a file…let me know that you’ve pushed it to </a:t>
+            </a:r>
+            <a:r>
+              <a:rPr lang="en-US" dirty="0" err="1"/>
+              <a:t>Github</a:t>
+            </a:r>
+            <a:r>
+              <a:rPr lang="en-US" dirty="0"/>
+              <a:t> and I’ll take a look at it on my computer.</a:t>
             </a:r>
           </a:p>
         </p:txBody>
@@ -4528,7 +6202,7 @@
     </p:spTree>
     <p:extLst>
       <p:ext uri="{BB962C8B-B14F-4D97-AF65-F5344CB8AC3E}">
-        <p14:creationId xmlns:p14="http://schemas.microsoft.com/office/powerpoint/2010/main" val="1893135142"/>
+        <p14:creationId xmlns:p14="http://schemas.microsoft.com/office/powerpoint/2010/main" val="1710119946"/>
       </p:ext>
     </p:extLst>
   </p:cSld>
@@ -4560,7 +6234,7 @@
           <p:cNvPr id="2" name="Title 1">
             <a:extLst>
               <a:ext uri="{FF2B5EF4-FFF2-40B4-BE49-F238E27FC236}">
-                <a16:creationId xmlns:a16="http://schemas.microsoft.com/office/drawing/2014/main" id="{D0E6D5DD-C7F4-6474-533C-4EEDC595677B}"/>
+                <a16:creationId xmlns:a16="http://schemas.microsoft.com/office/drawing/2014/main" id="{953B70ED-8BE6-E982-7E03-1CFD6A0FF812}"/>
               </a:ext>
             </a:extLst>
           </p:cNvPr>
@@ -4583,40 +6257,106 @@
           <a:p>
             <a:r>
               <a:rPr lang="en-US" dirty="0"/>
-              <a:t>What are the questions we want to answer?</a:t>
-            </a:r>
-          </a:p>
-        </p:txBody>
-      </p:sp>
-      <p:sp>
-        <p:nvSpPr>
-          <p:cNvPr id="3" name="Content Placeholder 2">
-            <a:extLst>
-              <a:ext uri="{FF2B5EF4-FFF2-40B4-BE49-F238E27FC236}">
-                <a16:creationId xmlns:a16="http://schemas.microsoft.com/office/drawing/2014/main" id="{C432AE64-AE47-773F-8DEF-88A769650E1C}"/>
-              </a:ext>
-            </a:extLst>
-          </p:cNvPr>
-          <p:cNvSpPr>
-            <a:spLocks noGrp="1"/>
-          </p:cNvSpPr>
-          <p:nvPr>
-            <p:ph idx="1"/>
-          </p:nvPr>
-        </p:nvSpPr>
+              <a:t>.</a:t>
+            </a:r>
+            <a:r>
+              <a:rPr lang="en-US" dirty="0" err="1"/>
+              <a:t>gitignore</a:t>
+            </a:r>
+            <a:endParaRPr lang="en-US" dirty="0"/>
+          </a:p>
+        </p:txBody>
+      </p:sp>
+      <p:pic>
+        <p:nvPicPr>
+          <p:cNvPr id="5" name="Picture 4">
+            <a:extLst>
+              <a:ext uri="{FF2B5EF4-FFF2-40B4-BE49-F238E27FC236}">
+                <a16:creationId xmlns:a16="http://schemas.microsoft.com/office/drawing/2014/main" id="{C481D545-35D7-BBB1-4284-15149FFF6B56}"/>
+              </a:ext>
+            </a:extLst>
+          </p:cNvPr>
+          <p:cNvPicPr>
+            <a:picLocks noChangeAspect="1"/>
+          </p:cNvPicPr>
+          <p:nvPr/>
+        </p:nvPicPr>
+        <p:blipFill>
+          <a:blip r:embed="rId2"/>
+          <a:stretch>
+            <a:fillRect/>
+          </a:stretch>
+        </p:blipFill>
         <p:spPr>
           <a:xfrm>
-            <a:off x="838200" y="1343818"/>
-            <a:ext cx="10515600" cy="4833145"/>
+            <a:off x="546511" y="1086515"/>
+            <a:ext cx="4396964" cy="5640153"/>
           </a:xfrm>
+          <a:prstGeom prst="rect">
+            <a:avLst/>
+          </a:prstGeom>
         </p:spPr>
-        <p:txBody>
-          <a:bodyPr/>
-          <a:lstStyle/>
-          <a:p>
-            <a:r>
-              <a:rPr lang="en-US" dirty="0"/>
-              <a:t>Curiosity driven analysis</a:t>
+      </p:pic>
+      <p:sp>
+        <p:nvSpPr>
+          <p:cNvPr id="6" name="TextBox 5">
+            <a:extLst>
+              <a:ext uri="{FF2B5EF4-FFF2-40B4-BE49-F238E27FC236}">
+                <a16:creationId xmlns:a16="http://schemas.microsoft.com/office/drawing/2014/main" id="{76124CE4-1A3A-A923-34E1-BF5248B8DCB3}"/>
+              </a:ext>
+            </a:extLst>
+          </p:cNvPr>
+          <p:cNvSpPr txBox="1"/>
+          <p:nvPr/>
+        </p:nvSpPr>
+        <p:spPr>
+          <a:xfrm>
+            <a:off x="5257800" y="2671286"/>
+            <a:ext cx="6856172" cy="1938992"/>
+          </a:xfrm>
+          <a:prstGeom prst="rect">
+            <a:avLst/>
+          </a:prstGeom>
+          <a:noFill/>
+        </p:spPr>
+        <p:txBody>
+          <a:bodyPr wrap="none" rtlCol="0">
+            <a:spAutoFit/>
+          </a:bodyPr>
+          <a:lstStyle/>
+          <a:p>
+            <a:r>
+              <a:rPr lang="en-US" sz="2400" dirty="0"/>
+              <a:t>Will not share/update .</a:t>
+            </a:r>
+            <a:r>
+              <a:rPr lang="en-US" sz="2400" dirty="0" err="1"/>
+              <a:t>rds</a:t>
+            </a:r>
+            <a:r>
+              <a:rPr lang="en-US" sz="2400" dirty="0"/>
+              <a:t> or .h5 files (save space!)</a:t>
+            </a:r>
+          </a:p>
+          <a:p>
+            <a:endParaRPr lang="en-US" sz="2400" dirty="0"/>
+          </a:p>
+          <a:p>
+            <a:r>
+              <a:rPr lang="en-US" sz="2400" dirty="0"/>
+              <a:t>Need to get those some other way:</a:t>
+            </a:r>
+          </a:p>
+          <a:p>
+            <a:r>
+              <a:rPr lang="en-US" sz="2400" dirty="0"/>
+              <a:t>	OneDrive</a:t>
+            </a:r>
+          </a:p>
+          <a:p>
+            <a:r>
+              <a:rPr lang="en-US" sz="2400" dirty="0"/>
+              <a:t>	Physical Hard Drive</a:t>
             </a:r>
           </a:p>
         </p:txBody>
@@ -4624,7 +6364,7 @@
     </p:spTree>
     <p:extLst>
       <p:ext uri="{BB962C8B-B14F-4D97-AF65-F5344CB8AC3E}">
-        <p14:creationId xmlns:p14="http://schemas.microsoft.com/office/powerpoint/2010/main" val="3491373005"/>
+        <p14:creationId xmlns:p14="http://schemas.microsoft.com/office/powerpoint/2010/main" val="2069354896"/>
       </p:ext>
     </p:extLst>
   </p:cSld>
@@ -4656,7 +6396,7 @@
           <p:cNvPr id="2" name="Title 1">
             <a:extLst>
               <a:ext uri="{FF2B5EF4-FFF2-40B4-BE49-F238E27FC236}">
-                <a16:creationId xmlns:a16="http://schemas.microsoft.com/office/drawing/2014/main" id="{62292C77-73D4-6CAD-E217-A3EF3F4154F3}"/>
+                <a16:creationId xmlns:a16="http://schemas.microsoft.com/office/drawing/2014/main" id="{3D007E6F-D6BB-49DC-CB56-B93773D452A2}"/>
               </a:ext>
             </a:extLst>
           </p:cNvPr>
@@ -4679,7 +6419,7 @@
           <a:p>
             <a:r>
               <a:rPr lang="en-US" dirty="0"/>
-              <a:t>Expectations</a:t>
+              <a:t>Two versions of the dataset</a:t>
             </a:r>
           </a:p>
         </p:txBody>
@@ -4689,7 +6429,7 @@
           <p:cNvPr id="3" name="Content Placeholder 2">
             <a:extLst>
               <a:ext uri="{FF2B5EF4-FFF2-40B4-BE49-F238E27FC236}">
-                <a16:creationId xmlns:a16="http://schemas.microsoft.com/office/drawing/2014/main" id="{AC6D67F8-8512-8670-0701-F431CE87E040}"/>
+                <a16:creationId xmlns:a16="http://schemas.microsoft.com/office/drawing/2014/main" id="{80141D55-D884-D086-B3F8-826E4A7CF240}"/>
               </a:ext>
             </a:extLst>
           </p:cNvPr>
@@ -4712,38 +6452,65 @@
           <a:p>
             <a:r>
               <a:rPr lang="en-US" dirty="0"/>
-              <a:t>Every coding decision needs to be justified. </a:t>
-            </a:r>
-          </a:p>
-          <a:p>
-            <a:r>
-              <a:rPr lang="en-US" dirty="0"/>
-              <a:t>I expect each of us to go through our analysis and share it together for constructive critique.</a:t>
-            </a:r>
-          </a:p>
-          <a:p>
-            <a:r>
-              <a:rPr lang="en-US" dirty="0"/>
-              <a:t>Reproducible code</a:t>
-            </a:r>
-          </a:p>
-          <a:p>
-            <a:r>
-              <a:rPr lang="en-US" dirty="0"/>
-              <a:t>Eventual Presentation to Dr. </a:t>
-            </a:r>
+              <a:t>First-processed</a:t>
+            </a:r>
+          </a:p>
+          <a:p>
+            <a:pPr lvl="1"/>
+            <a:r>
+              <a:rPr lang="en-US" b="0" i="0" dirty="0">
+                <a:solidFill>
+                  <a:srgbClr val="333333"/>
+                </a:solidFill>
+                <a:effectLst/>
+                <a:latin typeface="Helvetica Neue"/>
+              </a:rPr>
+              <a:t>Filter counts ==&gt; Viable cells 2nd cut off ==&gt; Filter features ==&gt;gene type is protein coding ==&gt;Normalized counts ==&gt; Filter observations ==&gt; Nos1 and Pappa2 &gt;5</a:t>
+            </a:r>
+            <a:endParaRPr lang="en-US" dirty="0"/>
+          </a:p>
+          <a:p>
+            <a:r>
+              <a:rPr lang="en-US" dirty="0"/>
+              <a:t>Second Raw</a:t>
+            </a:r>
+          </a:p>
+          <a:p>
+            <a:pPr lvl="1"/>
+            <a:r>
+              <a:rPr lang="en-US" dirty="0"/>
+              <a:t>I think just at the first “Filter Counts”</a:t>
+            </a:r>
+          </a:p>
+          <a:p>
+            <a:r>
+              <a:rPr lang="en-US" dirty="0"/>
+              <a:t>If I’m working with a dataset…I usually want to start out with the raw version to make my own filtering decisions.</a:t>
+            </a:r>
+          </a:p>
+          <a:p>
+            <a:r>
+              <a:rPr lang="en-US" dirty="0"/>
+              <a:t>I want to question and explore the decisions made/implications with the initial analysis.</a:t>
+            </a:r>
+          </a:p>
+          <a:p>
+            <a:pPr lvl="1"/>
             <a:r>
               <a:rPr lang="en-US" dirty="0" err="1"/>
-              <a:t>Peti-peterdi</a:t>
-            </a:r>
-            <a:endParaRPr lang="en-US" dirty="0"/>
+              <a:t>Meta.data</a:t>
+            </a:r>
+            <a:r>
+              <a:rPr lang="en-US" dirty="0"/>
+              <a:t> wrangling!</a:t>
+            </a:r>
           </a:p>
         </p:txBody>
       </p:sp>
     </p:spTree>
     <p:extLst>
       <p:ext uri="{BB962C8B-B14F-4D97-AF65-F5344CB8AC3E}">
-        <p14:creationId xmlns:p14="http://schemas.microsoft.com/office/powerpoint/2010/main" val="3928642322"/>
+        <p14:creationId xmlns:p14="http://schemas.microsoft.com/office/powerpoint/2010/main" val="1893135142"/>
       </p:ext>
     </p:extLst>
   </p:cSld>

--- a/presentations/project_introduction_jwn.pptx
+++ b/presentations/project_introduction_jwn.pptx
@@ -887,7 +887,7 @@
           <a:p>
             <a:fld id="{2B19CCD3-9A1B-4C97-A6B1-2944FBE72114}" type="datetimeFigureOut">
               <a:rPr lang="en-US" smtClean="0"/>
-              <a:t>3/10/2025</a:t>
+              <a:t>3/13/25</a:t>
             </a:fld>
             <a:endParaRPr lang="en-US"/>
           </a:p>
@@ -1085,7 +1085,7 @@
           <a:p>
             <a:fld id="{2B19CCD3-9A1B-4C97-A6B1-2944FBE72114}" type="datetimeFigureOut">
               <a:rPr lang="en-US" smtClean="0"/>
-              <a:t>3/10/2025</a:t>
+              <a:t>3/13/25</a:t>
             </a:fld>
             <a:endParaRPr lang="en-US"/>
           </a:p>
@@ -1293,7 +1293,7 @@
           <a:p>
             <a:fld id="{2B19CCD3-9A1B-4C97-A6B1-2944FBE72114}" type="datetimeFigureOut">
               <a:rPr lang="en-US" smtClean="0"/>
-              <a:t>3/10/2025</a:t>
+              <a:t>3/13/25</a:t>
             </a:fld>
             <a:endParaRPr lang="en-US"/>
           </a:p>
@@ -1491,7 +1491,7 @@
           <a:p>
             <a:fld id="{2B19CCD3-9A1B-4C97-A6B1-2944FBE72114}" type="datetimeFigureOut">
               <a:rPr lang="en-US" smtClean="0"/>
-              <a:t>3/10/2025</a:t>
+              <a:t>3/13/25</a:t>
             </a:fld>
             <a:endParaRPr lang="en-US"/>
           </a:p>
@@ -1766,7 +1766,7 @@
           <a:p>
             <a:fld id="{2B19CCD3-9A1B-4C97-A6B1-2944FBE72114}" type="datetimeFigureOut">
               <a:rPr lang="en-US" smtClean="0"/>
-              <a:t>3/10/2025</a:t>
+              <a:t>3/13/25</a:t>
             </a:fld>
             <a:endParaRPr lang="en-US"/>
           </a:p>
@@ -2031,7 +2031,7 @@
           <a:p>
             <a:fld id="{2B19CCD3-9A1B-4C97-A6B1-2944FBE72114}" type="datetimeFigureOut">
               <a:rPr lang="en-US" smtClean="0"/>
-              <a:t>3/10/2025</a:t>
+              <a:t>3/13/25</a:t>
             </a:fld>
             <a:endParaRPr lang="en-US"/>
           </a:p>
@@ -2443,7 +2443,7 @@
           <a:p>
             <a:fld id="{2B19CCD3-9A1B-4C97-A6B1-2944FBE72114}" type="datetimeFigureOut">
               <a:rPr lang="en-US" smtClean="0"/>
-              <a:t>3/10/2025</a:t>
+              <a:t>3/13/25</a:t>
             </a:fld>
             <a:endParaRPr lang="en-US"/>
           </a:p>
@@ -2584,7 +2584,7 @@
           <a:p>
             <a:fld id="{2B19CCD3-9A1B-4C97-A6B1-2944FBE72114}" type="datetimeFigureOut">
               <a:rPr lang="en-US" smtClean="0"/>
-              <a:t>3/10/2025</a:t>
+              <a:t>3/13/25</a:t>
             </a:fld>
             <a:endParaRPr lang="en-US"/>
           </a:p>
@@ -2697,7 +2697,7 @@
           <a:p>
             <a:fld id="{2B19CCD3-9A1B-4C97-A6B1-2944FBE72114}" type="datetimeFigureOut">
               <a:rPr lang="en-US" smtClean="0"/>
-              <a:t>3/10/2025</a:t>
+              <a:t>3/13/25</a:t>
             </a:fld>
             <a:endParaRPr lang="en-US"/>
           </a:p>
@@ -3008,7 +3008,7 @@
           <a:p>
             <a:fld id="{2B19CCD3-9A1B-4C97-A6B1-2944FBE72114}" type="datetimeFigureOut">
               <a:rPr lang="en-US" smtClean="0"/>
-              <a:t>3/10/2025</a:t>
+              <a:t>3/13/25</a:t>
             </a:fld>
             <a:endParaRPr lang="en-US"/>
           </a:p>
@@ -3296,7 +3296,7 @@
           <a:p>
             <a:fld id="{2B19CCD3-9A1B-4C97-A6B1-2944FBE72114}" type="datetimeFigureOut">
               <a:rPr lang="en-US" smtClean="0"/>
-              <a:t>3/10/2025</a:t>
+              <a:t>3/13/25</a:t>
             </a:fld>
             <a:endParaRPr lang="en-US"/>
           </a:p>
@@ -3537,7 +3537,7 @@
           <a:p>
             <a:fld id="{2B19CCD3-9A1B-4C97-A6B1-2944FBE72114}" type="datetimeFigureOut">
               <a:rPr lang="en-US" smtClean="0"/>
-              <a:t>3/10/2025</a:t>
+              <a:t>3/13/25</a:t>
             </a:fld>
             <a:endParaRPr lang="en-US"/>
           </a:p>
